--- a/laporan progress/progress report mei 12.pptx
+++ b/laporan progress/progress report mei 12.pptx
@@ -139,7 +139,7 @@
   </p:defaultTextStyle>
   <p:extLst>
     <p:ext uri="{EFAFB233-063F-42B5-8137-9DF3F51BA10A}">
-      <p15:sldGuideLst xmlns:p15="http://schemas.microsoft.com/office/powerpoint/2012/main" xmlns=""/>
+      <p15:sldGuideLst xmlns="" xmlns:p15="http://schemas.microsoft.com/office/powerpoint/2012/main"/>
     </p:ext>
   </p:extLst>
 </p:presentation>
@@ -3134,167 +3134,85 @@
 </file>
 
 <file path=ppt/diagrams/colors5.xml><?xml version="1.0" encoding="utf-8"?>
-<dgm:colorsDef xmlns:dgm="http://schemas.openxmlformats.org/drawingml/2006/diagram" xmlns:a="http://schemas.openxmlformats.org/drawingml/2006/main" uniqueId="urn:microsoft.com/office/officeart/2005/8/colors/accent1_2">
+<dgm:colorsDef xmlns:dgm="http://schemas.openxmlformats.org/drawingml/2006/diagram" xmlns:a="http://schemas.openxmlformats.org/drawingml/2006/main" uniqueId="urn:microsoft.com/office/officeart/2005/8/colors/accent0_1">
   <dgm:title val=""/>
   <dgm:desc val=""/>
   <dgm:catLst>
-    <dgm:cat type="accent1" pri="11200"/>
+    <dgm:cat type="mainScheme" pri="10100"/>
   </dgm:catLst>
   <dgm:styleLbl name="node0">
     <dgm:fillClrLst meth="repeat">
-      <a:schemeClr val="accent1"/>
+      <a:schemeClr val="lt1"/>
     </dgm:fillClrLst>
     <dgm:linClrLst meth="repeat">
-      <a:schemeClr val="lt1"/>
+      <a:schemeClr val="dk1">
+        <a:shade val="80000"/>
+      </a:schemeClr>
     </dgm:linClrLst>
     <dgm:effectClrLst/>
     <dgm:txLinClrLst/>
-    <dgm:txFillClrLst/>
+    <dgm:txFillClrLst meth="repeat">
+      <a:schemeClr val="dk1"/>
+    </dgm:txFillClrLst>
     <dgm:txEffectClrLst/>
   </dgm:styleLbl>
-  <dgm:styleLbl name="alignNode1">
+  <dgm:styleLbl name="node1">
     <dgm:fillClrLst meth="repeat">
-      <a:schemeClr val="accent1"/>
+      <a:schemeClr val="lt1"/>
     </dgm:fillClrLst>
     <dgm:linClrLst meth="repeat">
-      <a:schemeClr val="accent1"/>
+      <a:schemeClr val="dk1">
+        <a:shade val="80000"/>
+      </a:schemeClr>
     </dgm:linClrLst>
     <dgm:effectClrLst/>
     <dgm:txLinClrLst/>
-    <dgm:txFillClrLst/>
+    <dgm:txFillClrLst meth="repeat">
+      <a:schemeClr val="dk1"/>
+    </dgm:txFillClrLst>
     <dgm:txEffectClrLst/>
   </dgm:styleLbl>
-  <dgm:styleLbl name="node1">
+  <dgm:styleLbl name="alignNode1">
     <dgm:fillClrLst meth="repeat">
-      <a:schemeClr val="accent1"/>
+      <a:schemeClr val="lt1"/>
     </dgm:fillClrLst>
     <dgm:linClrLst meth="repeat">
-      <a:schemeClr val="lt1"/>
+      <a:schemeClr val="dk1">
+        <a:shade val="80000"/>
+      </a:schemeClr>
     </dgm:linClrLst>
     <dgm:effectClrLst/>
     <dgm:txLinClrLst/>
-    <dgm:txFillClrLst/>
+    <dgm:txFillClrLst meth="repeat">
+      <a:schemeClr val="dk1"/>
+    </dgm:txFillClrLst>
     <dgm:txEffectClrLst/>
   </dgm:styleLbl>
   <dgm:styleLbl name="lnNode1">
     <dgm:fillClrLst meth="repeat">
-      <a:schemeClr val="accent1"/>
+      <a:schemeClr val="lt1"/>
     </dgm:fillClrLst>
     <dgm:linClrLst meth="repeat">
-      <a:schemeClr val="lt1"/>
+      <a:schemeClr val="dk1">
+        <a:shade val="80000"/>
+      </a:schemeClr>
     </dgm:linClrLst>
     <dgm:effectClrLst/>
     <dgm:txLinClrLst/>
-    <dgm:txFillClrLst/>
+    <dgm:txFillClrLst meth="repeat">
+      <a:schemeClr val="dk1"/>
+    </dgm:txFillClrLst>
     <dgm:txEffectClrLst/>
   </dgm:styleLbl>
   <dgm:styleLbl name="vennNode1">
     <dgm:fillClrLst meth="repeat">
-      <a:schemeClr val="accent1">
+      <a:schemeClr val="lt1">
         <a:alpha val="50000"/>
       </a:schemeClr>
     </dgm:fillClrLst>
     <dgm:linClrLst meth="repeat">
-      <a:schemeClr val="lt1"/>
-    </dgm:linClrLst>
-    <dgm:effectClrLst/>
-    <dgm:txLinClrLst/>
-    <dgm:txFillClrLst/>
-    <dgm:txEffectClrLst/>
-  </dgm:styleLbl>
-  <dgm:styleLbl name="node2">
-    <dgm:fillClrLst meth="repeat">
-      <a:schemeClr val="accent1"/>
-    </dgm:fillClrLst>
-    <dgm:linClrLst meth="repeat">
-      <a:schemeClr val="lt1"/>
-    </dgm:linClrLst>
-    <dgm:effectClrLst/>
-    <dgm:txLinClrLst/>
-    <dgm:txFillClrLst/>
-    <dgm:txEffectClrLst/>
-  </dgm:styleLbl>
-  <dgm:styleLbl name="node3">
-    <dgm:fillClrLst meth="repeat">
-      <a:schemeClr val="accent1"/>
-    </dgm:fillClrLst>
-    <dgm:linClrLst meth="repeat">
-      <a:schemeClr val="lt1"/>
-    </dgm:linClrLst>
-    <dgm:effectClrLst/>
-    <dgm:txLinClrLst/>
-    <dgm:txFillClrLst/>
-    <dgm:txEffectClrLst/>
-  </dgm:styleLbl>
-  <dgm:styleLbl name="node4">
-    <dgm:fillClrLst meth="repeat">
-      <a:schemeClr val="accent1"/>
-    </dgm:fillClrLst>
-    <dgm:linClrLst meth="repeat">
-      <a:schemeClr val="lt1"/>
-    </dgm:linClrLst>
-    <dgm:effectClrLst/>
-    <dgm:txLinClrLst/>
-    <dgm:txFillClrLst/>
-    <dgm:txEffectClrLst/>
-  </dgm:styleLbl>
-  <dgm:styleLbl name="fgImgPlace1">
-    <dgm:fillClrLst meth="repeat">
-      <a:schemeClr val="accent1">
-        <a:tint val="50000"/>
-      </a:schemeClr>
-    </dgm:fillClrLst>
-    <dgm:linClrLst meth="repeat">
-      <a:schemeClr val="lt1"/>
-    </dgm:linClrLst>
-    <dgm:effectClrLst/>
-    <dgm:txLinClrLst/>
-    <dgm:txFillClrLst meth="repeat">
-      <a:schemeClr val="lt1"/>
-    </dgm:txFillClrLst>
-    <dgm:txEffectClrLst/>
-  </dgm:styleLbl>
-  <dgm:styleLbl name="alignImgPlace1">
-    <dgm:fillClrLst meth="repeat">
-      <a:schemeClr val="accent1">
-        <a:tint val="50000"/>
-      </a:schemeClr>
-    </dgm:fillClrLst>
-    <dgm:linClrLst meth="repeat">
-      <a:schemeClr val="lt1"/>
-    </dgm:linClrLst>
-    <dgm:effectClrLst/>
-    <dgm:txLinClrLst/>
-    <dgm:txFillClrLst meth="repeat">
-      <a:schemeClr val="lt1"/>
-    </dgm:txFillClrLst>
-    <dgm:txEffectClrLst/>
-  </dgm:styleLbl>
-  <dgm:styleLbl name="bgImgPlace1">
-    <dgm:fillClrLst meth="repeat">
-      <a:schemeClr val="accent1">
-        <a:tint val="50000"/>
-      </a:schemeClr>
-    </dgm:fillClrLst>
-    <dgm:linClrLst meth="repeat">
-      <a:schemeClr val="lt1"/>
-    </dgm:linClrLst>
-    <dgm:effectClrLst/>
-    <dgm:txLinClrLst/>
-    <dgm:txFillClrLst meth="repeat">
-      <a:schemeClr val="lt1"/>
-    </dgm:txFillClrLst>
-    <dgm:txEffectClrLst/>
-  </dgm:styleLbl>
-  <dgm:styleLbl name="sibTrans2D1">
-    <dgm:fillClrLst meth="repeat">
-      <a:schemeClr val="accent1">
-        <a:tint val="60000"/>
-      </a:schemeClr>
-    </dgm:fillClrLst>
-    <dgm:linClrLst meth="repeat">
-      <a:schemeClr val="accent1">
-        <a:tint val="60000"/>
+      <a:schemeClr val="dk1">
+        <a:shade val="80000"/>
       </a:schemeClr>
     </dgm:linClrLst>
     <dgm:effectClrLst/>
@@ -3302,137 +3220,63 @@
     <dgm:txFillClrLst/>
     <dgm:txEffectClrLst/>
   </dgm:styleLbl>
-  <dgm:styleLbl name="fgSibTrans2D1">
+  <dgm:styleLbl name="node2">
     <dgm:fillClrLst meth="repeat">
-      <a:schemeClr val="accent1">
-        <a:tint val="60000"/>
-      </a:schemeClr>
+      <a:schemeClr val="lt1"/>
     </dgm:fillClrLst>
     <dgm:linClrLst meth="repeat">
-      <a:schemeClr val="accent1">
-        <a:tint val="60000"/>
-      </a:schemeClr>
-    </dgm:linClrLst>
-    <dgm:effectClrLst/>
-    <dgm:txLinClrLst/>
-    <dgm:txFillClrLst/>
-    <dgm:txEffectClrLst/>
-  </dgm:styleLbl>
-  <dgm:styleLbl name="bgSibTrans2D1">
-    <dgm:fillClrLst meth="repeat">
-      <a:schemeClr val="accent1">
-        <a:tint val="60000"/>
-      </a:schemeClr>
-    </dgm:fillClrLst>
-    <dgm:linClrLst meth="repeat">
-      <a:schemeClr val="accent1">
-        <a:tint val="60000"/>
-      </a:schemeClr>
-    </dgm:linClrLst>
-    <dgm:effectClrLst/>
-    <dgm:txLinClrLst/>
-    <dgm:txFillClrLst/>
-    <dgm:txEffectClrLst/>
-  </dgm:styleLbl>
-  <dgm:styleLbl name="sibTrans1D1">
-    <dgm:fillClrLst meth="repeat">
-      <a:schemeClr val="accent1"/>
-    </dgm:fillClrLst>
-    <dgm:linClrLst meth="repeat">
-      <a:schemeClr val="accent1"/>
-    </dgm:linClrLst>
-    <dgm:effectClrLst/>
-    <dgm:txLinClrLst/>
-    <dgm:txFillClrLst meth="repeat">
-      <a:schemeClr val="tx1"/>
-    </dgm:txFillClrLst>
-    <dgm:txEffectClrLst/>
-  </dgm:styleLbl>
-  <dgm:styleLbl name="callout">
-    <dgm:fillClrLst meth="repeat">
-      <a:schemeClr val="accent1"/>
-    </dgm:fillClrLst>
-    <dgm:linClrLst meth="repeat">
-      <a:schemeClr val="accent1">
-        <a:tint val="50000"/>
+      <a:schemeClr val="dk1">
+        <a:shade val="80000"/>
       </a:schemeClr>
     </dgm:linClrLst>
     <dgm:effectClrLst/>
     <dgm:txLinClrLst/>
     <dgm:txFillClrLst meth="repeat">
-      <a:schemeClr val="tx1"/>
+      <a:schemeClr val="dk1"/>
     </dgm:txFillClrLst>
     <dgm:txEffectClrLst/>
   </dgm:styleLbl>
-  <dgm:styleLbl name="asst0">
+  <dgm:styleLbl name="node3">
     <dgm:fillClrLst meth="repeat">
-      <a:schemeClr val="accent1"/>
+      <a:schemeClr val="lt1"/>
     </dgm:fillClrLst>
     <dgm:linClrLst meth="repeat">
-      <a:schemeClr val="lt1"/>
+      <a:schemeClr val="dk1">
+        <a:shade val="80000"/>
+      </a:schemeClr>
     </dgm:linClrLst>
     <dgm:effectClrLst/>
     <dgm:txLinClrLst/>
-    <dgm:txFillClrLst/>
+    <dgm:txFillClrLst meth="repeat">
+      <a:schemeClr val="dk1"/>
+    </dgm:txFillClrLst>
     <dgm:txEffectClrLst/>
   </dgm:styleLbl>
-  <dgm:styleLbl name="asst1">
+  <dgm:styleLbl name="node4">
     <dgm:fillClrLst meth="repeat">
-      <a:schemeClr val="accent1"/>
+      <a:schemeClr val="lt1"/>
     </dgm:fillClrLst>
     <dgm:linClrLst meth="repeat">
-      <a:schemeClr val="lt1"/>
+      <a:schemeClr val="dk1">
+        <a:shade val="80000"/>
+      </a:schemeClr>
     </dgm:linClrLst>
     <dgm:effectClrLst/>
     <dgm:txLinClrLst/>
-    <dgm:txFillClrLst/>
+    <dgm:txFillClrLst meth="repeat">
+      <a:schemeClr val="dk1"/>
+    </dgm:txFillClrLst>
     <dgm:txEffectClrLst/>
   </dgm:styleLbl>
-  <dgm:styleLbl name="asst2">
+  <dgm:styleLbl name="fgImgPlace1">
     <dgm:fillClrLst meth="repeat">
-      <a:schemeClr val="accent1"/>
-    </dgm:fillClrLst>
-    <dgm:linClrLst meth="repeat">
-      <a:schemeClr val="lt1"/>
-    </dgm:linClrLst>
-    <dgm:effectClrLst/>
-    <dgm:txLinClrLst/>
-    <dgm:txFillClrLst/>
-    <dgm:txEffectClrLst/>
-  </dgm:styleLbl>
-  <dgm:styleLbl name="asst3">
-    <dgm:fillClrLst meth="repeat">
-      <a:schemeClr val="accent1"/>
-    </dgm:fillClrLst>
-    <dgm:linClrLst meth="repeat">
-      <a:schemeClr val="lt1"/>
-    </dgm:linClrLst>
-    <dgm:effectClrLst/>
-    <dgm:txLinClrLst/>
-    <dgm:txFillClrLst/>
-    <dgm:txEffectClrLst/>
-  </dgm:styleLbl>
-  <dgm:styleLbl name="asst4">
-    <dgm:fillClrLst meth="repeat">
-      <a:schemeClr val="accent1"/>
-    </dgm:fillClrLst>
-    <dgm:linClrLst meth="repeat">
-      <a:schemeClr val="lt1"/>
-    </dgm:linClrLst>
-    <dgm:effectClrLst/>
-    <dgm:txLinClrLst/>
-    <dgm:txFillClrLst/>
-    <dgm:txEffectClrLst/>
-  </dgm:styleLbl>
-  <dgm:styleLbl name="parChTrans2D1">
-    <dgm:fillClrLst meth="repeat">
-      <a:schemeClr val="accent1">
-        <a:tint val="60000"/>
+      <a:schemeClr val="dk1">
+        <a:tint val="40000"/>
       </a:schemeClr>
     </dgm:fillClrLst>
     <dgm:linClrLst meth="repeat">
-      <a:schemeClr val="accent1">
-        <a:tint val="60000"/>
+      <a:schemeClr val="dk1">
+        <a:shade val="80000"/>
       </a:schemeClr>
     </dgm:linClrLst>
     <dgm:effectClrLst/>
@@ -3442,12 +3286,16 @@
     </dgm:txFillClrLst>
     <dgm:txEffectClrLst/>
   </dgm:styleLbl>
-  <dgm:styleLbl name="parChTrans2D2">
+  <dgm:styleLbl name="alignImgPlace1">
     <dgm:fillClrLst meth="repeat">
-      <a:schemeClr val="accent1"/>
+      <a:schemeClr val="dk1">
+        <a:tint val="40000"/>
+      </a:schemeClr>
     </dgm:fillClrLst>
     <dgm:linClrLst meth="repeat">
-      <a:schemeClr val="accent1"/>
+      <a:schemeClr val="dk1">
+        <a:shade val="80000"/>
+      </a:schemeClr>
     </dgm:linClrLst>
     <dgm:effectClrLst/>
     <dgm:txLinClrLst/>
@@ -3456,12 +3304,16 @@
     </dgm:txFillClrLst>
     <dgm:txEffectClrLst/>
   </dgm:styleLbl>
-  <dgm:styleLbl name="parChTrans2D3">
+  <dgm:styleLbl name="bgImgPlace1">
     <dgm:fillClrLst meth="repeat">
-      <a:schemeClr val="accent1"/>
+      <a:schemeClr val="dk1">
+        <a:tint val="40000"/>
+      </a:schemeClr>
     </dgm:fillClrLst>
     <dgm:linClrLst meth="repeat">
-      <a:schemeClr val="accent1"/>
+      <a:schemeClr val="dk1">
+        <a:shade val="80000"/>
+      </a:schemeClr>
     </dgm:linClrLst>
     <dgm:effectClrLst/>
     <dgm:txLinClrLst/>
@@ -3470,12 +3322,214 @@
     </dgm:txFillClrLst>
     <dgm:txEffectClrLst/>
   </dgm:styleLbl>
+  <dgm:styleLbl name="sibTrans2D1">
+    <dgm:fillClrLst meth="repeat">
+      <a:schemeClr val="dk1">
+        <a:tint val="60000"/>
+      </a:schemeClr>
+    </dgm:fillClrLst>
+    <dgm:linClrLst meth="repeat">
+      <a:schemeClr val="dk1">
+        <a:tint val="60000"/>
+      </a:schemeClr>
+    </dgm:linClrLst>
+    <dgm:effectClrLst/>
+    <dgm:txLinClrLst/>
+    <dgm:txFillClrLst meth="repeat">
+      <a:schemeClr val="dk1"/>
+    </dgm:txFillClrLst>
+    <dgm:txEffectClrLst/>
+  </dgm:styleLbl>
+  <dgm:styleLbl name="fgSibTrans2D1">
+    <dgm:fillClrLst meth="repeat">
+      <a:schemeClr val="dk1">
+        <a:tint val="60000"/>
+      </a:schemeClr>
+    </dgm:fillClrLst>
+    <dgm:linClrLst meth="repeat">
+      <a:schemeClr val="dk1">
+        <a:tint val="60000"/>
+      </a:schemeClr>
+    </dgm:linClrLst>
+    <dgm:effectClrLst/>
+    <dgm:txLinClrLst/>
+    <dgm:txFillClrLst meth="repeat">
+      <a:schemeClr val="dk1"/>
+    </dgm:txFillClrLst>
+    <dgm:txEffectClrLst/>
+  </dgm:styleLbl>
+  <dgm:styleLbl name="bgSibTrans2D1">
+    <dgm:fillClrLst meth="repeat">
+      <a:schemeClr val="dk1">
+        <a:tint val="60000"/>
+      </a:schemeClr>
+    </dgm:fillClrLst>
+    <dgm:linClrLst meth="repeat">
+      <a:schemeClr val="dk1">
+        <a:tint val="60000"/>
+      </a:schemeClr>
+    </dgm:linClrLst>
+    <dgm:effectClrLst/>
+    <dgm:txLinClrLst/>
+    <dgm:txFillClrLst meth="repeat">
+      <a:schemeClr val="dk1"/>
+    </dgm:txFillClrLst>
+    <dgm:txEffectClrLst/>
+  </dgm:styleLbl>
+  <dgm:styleLbl name="sibTrans1D1">
+    <dgm:fillClrLst meth="repeat">
+      <a:schemeClr val="dk1"/>
+    </dgm:fillClrLst>
+    <dgm:linClrLst meth="repeat">
+      <a:schemeClr val="dk1"/>
+    </dgm:linClrLst>
+    <dgm:effectClrLst/>
+    <dgm:txLinClrLst/>
+    <dgm:txFillClrLst meth="repeat">
+      <a:schemeClr val="tx1"/>
+    </dgm:txFillClrLst>
+    <dgm:txEffectClrLst/>
+  </dgm:styleLbl>
+  <dgm:styleLbl name="callout">
+    <dgm:fillClrLst meth="repeat">
+      <a:schemeClr val="dk1"/>
+    </dgm:fillClrLst>
+    <dgm:linClrLst meth="repeat">
+      <a:schemeClr val="dk1"/>
+    </dgm:linClrLst>
+    <dgm:effectClrLst/>
+    <dgm:txLinClrLst/>
+    <dgm:txFillClrLst meth="repeat">
+      <a:schemeClr val="tx1"/>
+    </dgm:txFillClrLst>
+    <dgm:txEffectClrLst/>
+  </dgm:styleLbl>
+  <dgm:styleLbl name="asst0">
+    <dgm:fillClrLst meth="repeat">
+      <a:schemeClr val="lt1"/>
+    </dgm:fillClrLst>
+    <dgm:linClrLst meth="repeat">
+      <a:schemeClr val="dk1">
+        <a:shade val="80000"/>
+      </a:schemeClr>
+    </dgm:linClrLst>
+    <dgm:effectClrLst/>
+    <dgm:txLinClrLst/>
+    <dgm:txFillClrLst meth="repeat">
+      <a:schemeClr val="dk1"/>
+    </dgm:txFillClrLst>
+    <dgm:txEffectClrLst/>
+  </dgm:styleLbl>
+  <dgm:styleLbl name="asst1">
+    <dgm:fillClrLst meth="repeat">
+      <a:schemeClr val="lt1"/>
+    </dgm:fillClrLst>
+    <dgm:linClrLst meth="repeat">
+      <a:schemeClr val="dk1">
+        <a:shade val="80000"/>
+      </a:schemeClr>
+    </dgm:linClrLst>
+    <dgm:effectClrLst/>
+    <dgm:txLinClrLst/>
+    <dgm:txFillClrLst meth="repeat">
+      <a:schemeClr val="dk1"/>
+    </dgm:txFillClrLst>
+    <dgm:txEffectClrLst/>
+  </dgm:styleLbl>
+  <dgm:styleLbl name="asst2">
+    <dgm:fillClrLst meth="repeat">
+      <a:schemeClr val="lt1"/>
+    </dgm:fillClrLst>
+    <dgm:linClrLst meth="repeat">
+      <a:schemeClr val="dk1">
+        <a:shade val="80000"/>
+      </a:schemeClr>
+    </dgm:linClrLst>
+    <dgm:effectClrLst/>
+    <dgm:txLinClrLst/>
+    <dgm:txFillClrLst meth="repeat">
+      <a:schemeClr val="dk1"/>
+    </dgm:txFillClrLst>
+    <dgm:txEffectClrLst/>
+  </dgm:styleLbl>
+  <dgm:styleLbl name="asst3">
+    <dgm:fillClrLst meth="repeat">
+      <a:schemeClr val="lt1"/>
+    </dgm:fillClrLst>
+    <dgm:linClrLst meth="repeat">
+      <a:schemeClr val="dk1">
+        <a:shade val="80000"/>
+      </a:schemeClr>
+    </dgm:linClrLst>
+    <dgm:effectClrLst/>
+    <dgm:txLinClrLst/>
+    <dgm:txFillClrLst meth="repeat">
+      <a:schemeClr val="dk1"/>
+    </dgm:txFillClrLst>
+    <dgm:txEffectClrLst/>
+  </dgm:styleLbl>
+  <dgm:styleLbl name="asst4">
+    <dgm:fillClrLst meth="repeat">
+      <a:schemeClr val="lt1"/>
+    </dgm:fillClrLst>
+    <dgm:linClrLst meth="repeat">
+      <a:schemeClr val="dk1">
+        <a:shade val="80000"/>
+      </a:schemeClr>
+    </dgm:linClrLst>
+    <dgm:effectClrLst/>
+    <dgm:txLinClrLst/>
+    <dgm:txFillClrLst meth="repeat">
+      <a:schemeClr val="dk1"/>
+    </dgm:txFillClrLst>
+    <dgm:txEffectClrLst/>
+  </dgm:styleLbl>
+  <dgm:styleLbl name="parChTrans2D1">
+    <dgm:fillClrLst meth="repeat">
+      <a:schemeClr val="dk1">
+        <a:tint val="60000"/>
+      </a:schemeClr>
+    </dgm:fillClrLst>
+    <dgm:linClrLst meth="repeat">
+      <a:schemeClr val="dk1">
+        <a:tint val="60000"/>
+      </a:schemeClr>
+    </dgm:linClrLst>
+    <dgm:effectClrLst/>
+    <dgm:txLinClrLst/>
+    <dgm:txFillClrLst/>
+    <dgm:txEffectClrLst/>
+  </dgm:styleLbl>
+  <dgm:styleLbl name="parChTrans2D2">
+    <dgm:fillClrLst meth="repeat">
+      <a:schemeClr val="dk1"/>
+    </dgm:fillClrLst>
+    <dgm:linClrLst meth="repeat">
+      <a:schemeClr val="dk1"/>
+    </dgm:linClrLst>
+    <dgm:effectClrLst/>
+    <dgm:txLinClrLst/>
+    <dgm:txFillClrLst/>
+    <dgm:txEffectClrLst/>
+  </dgm:styleLbl>
+  <dgm:styleLbl name="parChTrans2D3">
+    <dgm:fillClrLst meth="repeat">
+      <a:schemeClr val="dk1"/>
+    </dgm:fillClrLst>
+    <dgm:linClrLst meth="repeat">
+      <a:schemeClr val="dk1"/>
+    </dgm:linClrLst>
+    <dgm:effectClrLst/>
+    <dgm:txLinClrLst/>
+    <dgm:txFillClrLst/>
+    <dgm:txEffectClrLst/>
+  </dgm:styleLbl>
   <dgm:styleLbl name="parChTrans2D4">
     <dgm:fillClrLst meth="repeat">
-      <a:schemeClr val="accent1"/>
+      <a:schemeClr val="dk1"/>
     </dgm:fillClrLst>
     <dgm:linClrLst meth="repeat">
-      <a:schemeClr val="accent1"/>
+      <a:schemeClr val="dk1"/>
     </dgm:linClrLst>
     <dgm:effectClrLst/>
     <dgm:txLinClrLst/>
@@ -3486,10 +3540,10 @@
   </dgm:styleLbl>
   <dgm:styleLbl name="parChTrans1D1">
     <dgm:fillClrLst meth="repeat">
-      <a:schemeClr val="accent1"/>
+      <a:schemeClr val="dk1"/>
     </dgm:fillClrLst>
     <dgm:linClrLst meth="repeat">
-      <a:schemeClr val="accent1">
+      <a:schemeClr val="dk1">
         <a:shade val="60000"/>
       </a:schemeClr>
     </dgm:linClrLst>
@@ -3502,10 +3556,10 @@
   </dgm:styleLbl>
   <dgm:styleLbl name="parChTrans1D2">
     <dgm:fillClrLst meth="repeat">
-      <a:schemeClr val="accent1"/>
+      <a:schemeClr val="dk1"/>
     </dgm:fillClrLst>
     <dgm:linClrLst meth="repeat">
-      <a:schemeClr val="accent1">
+      <a:schemeClr val="dk1">
         <a:shade val="60000"/>
       </a:schemeClr>
     </dgm:linClrLst>
@@ -3518,10 +3572,10 @@
   </dgm:styleLbl>
   <dgm:styleLbl name="parChTrans1D3">
     <dgm:fillClrLst meth="repeat">
-      <a:schemeClr val="accent1"/>
+      <a:schemeClr val="dk1"/>
     </dgm:fillClrLst>
     <dgm:linClrLst meth="repeat">
-      <a:schemeClr val="accent1">
+      <a:schemeClr val="dk1">
         <a:shade val="80000"/>
       </a:schemeClr>
     </dgm:linClrLst>
@@ -3534,10 +3588,10 @@
   </dgm:styleLbl>
   <dgm:styleLbl name="parChTrans1D4">
     <dgm:fillClrLst meth="repeat">
-      <a:schemeClr val="accent1"/>
+      <a:schemeClr val="dk1"/>
     </dgm:fillClrLst>
     <dgm:linClrLst meth="repeat">
-      <a:schemeClr val="accent1">
+      <a:schemeClr val="dk1">
         <a:shade val="80000"/>
       </a:schemeClr>
     </dgm:linClrLst>
@@ -3550,12 +3604,13 @@
   </dgm:styleLbl>
   <dgm:styleLbl name="fgAcc1">
     <dgm:fillClrLst meth="repeat">
-      <a:schemeClr val="lt1">
+      <a:schemeClr val="dk1">
         <a:alpha val="90000"/>
+        <a:tint val="40000"/>
       </a:schemeClr>
     </dgm:fillClrLst>
     <dgm:linClrLst meth="repeat">
-      <a:schemeClr val="accent1"/>
+      <a:schemeClr val="dk1"/>
     </dgm:linClrLst>
     <dgm:effectClrLst/>
     <dgm:txLinClrLst/>
@@ -3566,12 +3621,13 @@
   </dgm:styleLbl>
   <dgm:styleLbl name="conFgAcc1">
     <dgm:fillClrLst meth="repeat">
-      <a:schemeClr val="lt1">
+      <a:schemeClr val="dk1">
         <a:alpha val="90000"/>
+        <a:tint val="40000"/>
       </a:schemeClr>
     </dgm:fillClrLst>
     <dgm:linClrLst meth="repeat">
-      <a:schemeClr val="accent1"/>
+      <a:schemeClr val="dk1"/>
     </dgm:linClrLst>
     <dgm:effectClrLst/>
     <dgm:txLinClrLst/>
@@ -3582,12 +3638,13 @@
   </dgm:styleLbl>
   <dgm:styleLbl name="alignAcc1">
     <dgm:fillClrLst meth="repeat">
-      <a:schemeClr val="lt1">
+      <a:schemeClr val="dk1">
         <a:alpha val="90000"/>
+        <a:tint val="40000"/>
       </a:schemeClr>
     </dgm:fillClrLst>
     <dgm:linClrLst meth="repeat">
-      <a:schemeClr val="accent1"/>
+      <a:schemeClr val="dk1"/>
     </dgm:linClrLst>
     <dgm:effectClrLst/>
     <dgm:txLinClrLst/>
@@ -3598,12 +3655,13 @@
   </dgm:styleLbl>
   <dgm:styleLbl name="trAlignAcc1">
     <dgm:fillClrLst meth="repeat">
-      <a:schemeClr val="lt1">
+      <a:schemeClr val="dk1">
         <a:alpha val="40000"/>
+        <a:tint val="40000"/>
       </a:schemeClr>
     </dgm:fillClrLst>
     <dgm:linClrLst meth="repeat">
-      <a:schemeClr val="accent1"/>
+      <a:schemeClr val="dk1"/>
     </dgm:linClrLst>
     <dgm:effectClrLst/>
     <dgm:txLinClrLst/>
@@ -3614,12 +3672,13 @@
   </dgm:styleLbl>
   <dgm:styleLbl name="bgAcc1">
     <dgm:fillClrLst meth="repeat">
-      <a:schemeClr val="lt1">
+      <a:schemeClr val="dk1">
         <a:alpha val="90000"/>
+        <a:tint val="40000"/>
       </a:schemeClr>
     </dgm:fillClrLst>
     <dgm:linClrLst meth="repeat">
-      <a:schemeClr val="accent1"/>
+      <a:schemeClr val="dk1"/>
     </dgm:linClrLst>
     <dgm:effectClrLst/>
     <dgm:txLinClrLst/>
@@ -3633,7 +3692,7 @@
       <a:schemeClr val="lt1"/>
     </dgm:fillClrLst>
     <dgm:linClrLst meth="repeat">
-      <a:schemeClr val="accent1"/>
+      <a:schemeClr val="dk1"/>
     </dgm:linClrLst>
     <dgm:effectClrLst/>
     <dgm:txLinClrLst/>
@@ -3647,7 +3706,7 @@
       <a:schemeClr val="lt1"/>
     </dgm:fillClrLst>
     <dgm:linClrLst meth="repeat">
-      <a:schemeClr val="accent1"/>
+      <a:schemeClr val="dk1"/>
     </dgm:linClrLst>
     <dgm:effectClrLst/>
     <dgm:txLinClrLst/>
@@ -3661,7 +3720,7 @@
       <a:schemeClr val="lt1"/>
     </dgm:fillClrLst>
     <dgm:linClrLst meth="repeat">
-      <a:schemeClr val="accent1"/>
+      <a:schemeClr val="dk1"/>
     </dgm:linClrLst>
     <dgm:effectClrLst/>
     <dgm:txLinClrLst/>
@@ -3672,15 +3731,14 @@
   </dgm:styleLbl>
   <dgm:styleLbl name="fgAccFollowNode1">
     <dgm:fillClrLst meth="repeat">
-      <a:schemeClr val="accent1">
+      <a:schemeClr val="lt1">
         <a:alpha val="90000"/>
         <a:tint val="40000"/>
       </a:schemeClr>
     </dgm:fillClrLst>
     <dgm:linClrLst meth="repeat">
-      <a:schemeClr val="accent1">
+      <a:schemeClr val="dk1">
         <a:alpha val="90000"/>
-        <a:tint val="40000"/>
       </a:schemeClr>
     </dgm:linClrLst>
     <dgm:effectClrLst/>
@@ -3692,15 +3750,14 @@
   </dgm:styleLbl>
   <dgm:styleLbl name="alignAccFollowNode1">
     <dgm:fillClrLst meth="repeat">
-      <a:schemeClr val="accent1">
+      <a:schemeClr val="lt1">
         <a:alpha val="90000"/>
         <a:tint val="40000"/>
       </a:schemeClr>
     </dgm:fillClrLst>
     <dgm:linClrLst meth="repeat">
-      <a:schemeClr val="accent1">
+      <a:schemeClr val="dk1">
         <a:alpha val="90000"/>
-        <a:tint val="40000"/>
       </a:schemeClr>
     </dgm:linClrLst>
     <dgm:effectClrLst/>
@@ -3712,15 +3769,14 @@
   </dgm:styleLbl>
   <dgm:styleLbl name="bgAccFollowNode1">
     <dgm:fillClrLst meth="repeat">
-      <a:schemeClr val="accent1">
+      <a:schemeClr val="lt1">
         <a:alpha val="90000"/>
         <a:tint val="40000"/>
       </a:schemeClr>
     </dgm:fillClrLst>
     <dgm:linClrLst meth="repeat">
-      <a:schemeClr val="accent1">
+      <a:schemeClr val="dk1">
         <a:alpha val="90000"/>
-        <a:tint val="40000"/>
       </a:schemeClr>
     </dgm:linClrLst>
     <dgm:effectClrLst/>
@@ -3732,12 +3788,13 @@
   </dgm:styleLbl>
   <dgm:styleLbl name="fgAcc0">
     <dgm:fillClrLst meth="repeat">
-      <a:schemeClr val="lt1">
+      <a:schemeClr val="dk1">
         <a:alpha val="90000"/>
+        <a:tint val="40000"/>
       </a:schemeClr>
     </dgm:fillClrLst>
     <dgm:linClrLst meth="repeat">
-      <a:schemeClr val="accent1"/>
+      <a:schemeClr val="dk1"/>
     </dgm:linClrLst>
     <dgm:effectClrLst/>
     <dgm:txLinClrLst/>
@@ -3748,12 +3805,13 @@
   </dgm:styleLbl>
   <dgm:styleLbl name="fgAcc2">
     <dgm:fillClrLst meth="repeat">
-      <a:schemeClr val="lt1">
+      <a:schemeClr val="dk1">
         <a:alpha val="90000"/>
+        <a:tint val="40000"/>
       </a:schemeClr>
     </dgm:fillClrLst>
     <dgm:linClrLst meth="repeat">
-      <a:schemeClr val="accent1"/>
+      <a:schemeClr val="dk1"/>
     </dgm:linClrLst>
     <dgm:effectClrLst/>
     <dgm:txLinClrLst/>
@@ -3764,12 +3822,13 @@
   </dgm:styleLbl>
   <dgm:styleLbl name="fgAcc3">
     <dgm:fillClrLst meth="repeat">
-      <a:schemeClr val="lt1">
+      <a:schemeClr val="dk1">
         <a:alpha val="90000"/>
+        <a:tint val="40000"/>
       </a:schemeClr>
     </dgm:fillClrLst>
     <dgm:linClrLst meth="repeat">
-      <a:schemeClr val="accent1"/>
+      <a:schemeClr val="dk1"/>
     </dgm:linClrLst>
     <dgm:effectClrLst/>
     <dgm:txLinClrLst/>
@@ -3780,12 +3839,13 @@
   </dgm:styleLbl>
   <dgm:styleLbl name="fgAcc4">
     <dgm:fillClrLst meth="repeat">
-      <a:schemeClr val="lt1">
+      <a:schemeClr val="dk1">
         <a:alpha val="90000"/>
+        <a:tint val="40000"/>
       </a:schemeClr>
     </dgm:fillClrLst>
     <dgm:linClrLst meth="repeat">
-      <a:schemeClr val="accent1"/>
+      <a:schemeClr val="dk1"/>
     </dgm:linClrLst>
     <dgm:effectClrLst/>
     <dgm:txLinClrLst/>
@@ -3796,12 +3856,12 @@
   </dgm:styleLbl>
   <dgm:styleLbl name="bgShp">
     <dgm:fillClrLst meth="repeat">
-      <a:schemeClr val="accent1">
+      <a:schemeClr val="dk1">
         <a:tint val="40000"/>
       </a:schemeClr>
     </dgm:fillClrLst>
     <dgm:linClrLst meth="repeat">
-      <a:schemeClr val="accent1"/>
+      <a:schemeClr val="dk1"/>
     </dgm:linClrLst>
     <dgm:effectClrLst/>
     <dgm:txLinClrLst/>
@@ -3812,12 +3872,12 @@
   </dgm:styleLbl>
   <dgm:styleLbl name="dkBgShp">
     <dgm:fillClrLst meth="repeat">
-      <a:schemeClr val="accent1">
+      <a:schemeClr val="dk1">
         <a:shade val="80000"/>
       </a:schemeClr>
     </dgm:fillClrLst>
     <dgm:linClrLst meth="repeat">
-      <a:schemeClr val="accent1"/>
+      <a:schemeClr val="dk1"/>
     </dgm:linClrLst>
     <dgm:effectClrLst/>
     <dgm:txLinClrLst/>
@@ -3828,13 +3888,13 @@
   </dgm:styleLbl>
   <dgm:styleLbl name="trBgShp">
     <dgm:fillClrLst meth="repeat">
-      <a:schemeClr val="accent1">
+      <a:schemeClr val="dk1">
         <a:tint val="50000"/>
         <a:alpha val="40000"/>
       </a:schemeClr>
     </dgm:fillClrLst>
     <dgm:linClrLst meth="repeat">
-      <a:schemeClr val="accent1"/>
+      <a:schemeClr val="dk1"/>
     </dgm:linClrLst>
     <dgm:effectClrLst/>
     <dgm:txLinClrLst/>
@@ -3845,7 +3905,7 @@
   </dgm:styleLbl>
   <dgm:styleLbl name="fgShp">
     <dgm:fillClrLst meth="repeat">
-      <a:schemeClr val="accent1">
+      <a:schemeClr val="dk1">
         <a:tint val="60000"/>
       </a:schemeClr>
     </dgm:fillClrLst>
@@ -4628,167 +4688,85 @@
 </file>
 
 <file path=ppt/diagrams/colors7.xml><?xml version="1.0" encoding="utf-8"?>
-<dgm:colorsDef xmlns:dgm="http://schemas.openxmlformats.org/drawingml/2006/diagram" xmlns:a="http://schemas.openxmlformats.org/drawingml/2006/main" uniqueId="urn:microsoft.com/office/officeart/2005/8/colors/accent1_2">
+<dgm:colorsDef xmlns:dgm="http://schemas.openxmlformats.org/drawingml/2006/diagram" xmlns:a="http://schemas.openxmlformats.org/drawingml/2006/main" uniqueId="urn:microsoft.com/office/officeart/2005/8/colors/accent0_1">
   <dgm:title val=""/>
   <dgm:desc val=""/>
   <dgm:catLst>
-    <dgm:cat type="accent1" pri="11200"/>
+    <dgm:cat type="mainScheme" pri="10100"/>
   </dgm:catLst>
   <dgm:styleLbl name="node0">
     <dgm:fillClrLst meth="repeat">
-      <a:schemeClr val="accent1"/>
+      <a:schemeClr val="lt1"/>
     </dgm:fillClrLst>
     <dgm:linClrLst meth="repeat">
-      <a:schemeClr val="lt1"/>
+      <a:schemeClr val="dk1">
+        <a:shade val="80000"/>
+      </a:schemeClr>
     </dgm:linClrLst>
     <dgm:effectClrLst/>
     <dgm:txLinClrLst/>
-    <dgm:txFillClrLst/>
+    <dgm:txFillClrLst meth="repeat">
+      <a:schemeClr val="dk1"/>
+    </dgm:txFillClrLst>
     <dgm:txEffectClrLst/>
   </dgm:styleLbl>
-  <dgm:styleLbl name="alignNode1">
+  <dgm:styleLbl name="node1">
     <dgm:fillClrLst meth="repeat">
-      <a:schemeClr val="accent1"/>
+      <a:schemeClr val="lt1"/>
     </dgm:fillClrLst>
     <dgm:linClrLst meth="repeat">
-      <a:schemeClr val="accent1"/>
+      <a:schemeClr val="dk1">
+        <a:shade val="80000"/>
+      </a:schemeClr>
     </dgm:linClrLst>
     <dgm:effectClrLst/>
     <dgm:txLinClrLst/>
-    <dgm:txFillClrLst/>
+    <dgm:txFillClrLst meth="repeat">
+      <a:schemeClr val="dk1"/>
+    </dgm:txFillClrLst>
     <dgm:txEffectClrLst/>
   </dgm:styleLbl>
-  <dgm:styleLbl name="node1">
+  <dgm:styleLbl name="alignNode1">
     <dgm:fillClrLst meth="repeat">
-      <a:schemeClr val="accent1"/>
+      <a:schemeClr val="lt1"/>
     </dgm:fillClrLst>
     <dgm:linClrLst meth="repeat">
-      <a:schemeClr val="lt1"/>
+      <a:schemeClr val="dk1">
+        <a:shade val="80000"/>
+      </a:schemeClr>
     </dgm:linClrLst>
     <dgm:effectClrLst/>
     <dgm:txLinClrLst/>
-    <dgm:txFillClrLst/>
+    <dgm:txFillClrLst meth="repeat">
+      <a:schemeClr val="dk1"/>
+    </dgm:txFillClrLst>
     <dgm:txEffectClrLst/>
   </dgm:styleLbl>
   <dgm:styleLbl name="lnNode1">
     <dgm:fillClrLst meth="repeat">
-      <a:schemeClr val="accent1"/>
+      <a:schemeClr val="lt1"/>
     </dgm:fillClrLst>
     <dgm:linClrLst meth="repeat">
-      <a:schemeClr val="lt1"/>
+      <a:schemeClr val="dk1">
+        <a:shade val="80000"/>
+      </a:schemeClr>
     </dgm:linClrLst>
     <dgm:effectClrLst/>
     <dgm:txLinClrLst/>
-    <dgm:txFillClrLst/>
+    <dgm:txFillClrLst meth="repeat">
+      <a:schemeClr val="dk1"/>
+    </dgm:txFillClrLst>
     <dgm:txEffectClrLst/>
   </dgm:styleLbl>
   <dgm:styleLbl name="vennNode1">
     <dgm:fillClrLst meth="repeat">
-      <a:schemeClr val="accent1">
+      <a:schemeClr val="lt1">
         <a:alpha val="50000"/>
       </a:schemeClr>
     </dgm:fillClrLst>
     <dgm:linClrLst meth="repeat">
-      <a:schemeClr val="lt1"/>
-    </dgm:linClrLst>
-    <dgm:effectClrLst/>
-    <dgm:txLinClrLst/>
-    <dgm:txFillClrLst/>
-    <dgm:txEffectClrLst/>
-  </dgm:styleLbl>
-  <dgm:styleLbl name="node2">
-    <dgm:fillClrLst meth="repeat">
-      <a:schemeClr val="accent1"/>
-    </dgm:fillClrLst>
-    <dgm:linClrLst meth="repeat">
-      <a:schemeClr val="lt1"/>
-    </dgm:linClrLst>
-    <dgm:effectClrLst/>
-    <dgm:txLinClrLst/>
-    <dgm:txFillClrLst/>
-    <dgm:txEffectClrLst/>
-  </dgm:styleLbl>
-  <dgm:styleLbl name="node3">
-    <dgm:fillClrLst meth="repeat">
-      <a:schemeClr val="accent1"/>
-    </dgm:fillClrLst>
-    <dgm:linClrLst meth="repeat">
-      <a:schemeClr val="lt1"/>
-    </dgm:linClrLst>
-    <dgm:effectClrLst/>
-    <dgm:txLinClrLst/>
-    <dgm:txFillClrLst/>
-    <dgm:txEffectClrLst/>
-  </dgm:styleLbl>
-  <dgm:styleLbl name="node4">
-    <dgm:fillClrLst meth="repeat">
-      <a:schemeClr val="accent1"/>
-    </dgm:fillClrLst>
-    <dgm:linClrLst meth="repeat">
-      <a:schemeClr val="lt1"/>
-    </dgm:linClrLst>
-    <dgm:effectClrLst/>
-    <dgm:txLinClrLst/>
-    <dgm:txFillClrLst/>
-    <dgm:txEffectClrLst/>
-  </dgm:styleLbl>
-  <dgm:styleLbl name="fgImgPlace1">
-    <dgm:fillClrLst meth="repeat">
-      <a:schemeClr val="accent1">
-        <a:tint val="50000"/>
-      </a:schemeClr>
-    </dgm:fillClrLst>
-    <dgm:linClrLst meth="repeat">
-      <a:schemeClr val="lt1"/>
-    </dgm:linClrLst>
-    <dgm:effectClrLst/>
-    <dgm:txLinClrLst/>
-    <dgm:txFillClrLst meth="repeat">
-      <a:schemeClr val="lt1"/>
-    </dgm:txFillClrLst>
-    <dgm:txEffectClrLst/>
-  </dgm:styleLbl>
-  <dgm:styleLbl name="alignImgPlace1">
-    <dgm:fillClrLst meth="repeat">
-      <a:schemeClr val="accent1">
-        <a:tint val="50000"/>
-      </a:schemeClr>
-    </dgm:fillClrLst>
-    <dgm:linClrLst meth="repeat">
-      <a:schemeClr val="lt1"/>
-    </dgm:linClrLst>
-    <dgm:effectClrLst/>
-    <dgm:txLinClrLst/>
-    <dgm:txFillClrLst meth="repeat">
-      <a:schemeClr val="lt1"/>
-    </dgm:txFillClrLst>
-    <dgm:txEffectClrLst/>
-  </dgm:styleLbl>
-  <dgm:styleLbl name="bgImgPlace1">
-    <dgm:fillClrLst meth="repeat">
-      <a:schemeClr val="accent1">
-        <a:tint val="50000"/>
-      </a:schemeClr>
-    </dgm:fillClrLst>
-    <dgm:linClrLst meth="repeat">
-      <a:schemeClr val="lt1"/>
-    </dgm:linClrLst>
-    <dgm:effectClrLst/>
-    <dgm:txLinClrLst/>
-    <dgm:txFillClrLst meth="repeat">
-      <a:schemeClr val="lt1"/>
-    </dgm:txFillClrLst>
-    <dgm:txEffectClrLst/>
-  </dgm:styleLbl>
-  <dgm:styleLbl name="sibTrans2D1">
-    <dgm:fillClrLst meth="repeat">
-      <a:schemeClr val="accent1">
-        <a:tint val="60000"/>
-      </a:schemeClr>
-    </dgm:fillClrLst>
-    <dgm:linClrLst meth="repeat">
-      <a:schemeClr val="accent1">
-        <a:tint val="60000"/>
+      <a:schemeClr val="dk1">
+        <a:shade val="80000"/>
       </a:schemeClr>
     </dgm:linClrLst>
     <dgm:effectClrLst/>
@@ -4796,137 +4774,63 @@
     <dgm:txFillClrLst/>
     <dgm:txEffectClrLst/>
   </dgm:styleLbl>
-  <dgm:styleLbl name="fgSibTrans2D1">
+  <dgm:styleLbl name="node2">
     <dgm:fillClrLst meth="repeat">
-      <a:schemeClr val="accent1">
-        <a:tint val="60000"/>
-      </a:schemeClr>
+      <a:schemeClr val="lt1"/>
     </dgm:fillClrLst>
     <dgm:linClrLst meth="repeat">
-      <a:schemeClr val="accent1">
-        <a:tint val="60000"/>
-      </a:schemeClr>
-    </dgm:linClrLst>
-    <dgm:effectClrLst/>
-    <dgm:txLinClrLst/>
-    <dgm:txFillClrLst/>
-    <dgm:txEffectClrLst/>
-  </dgm:styleLbl>
-  <dgm:styleLbl name="bgSibTrans2D1">
-    <dgm:fillClrLst meth="repeat">
-      <a:schemeClr val="accent1">
-        <a:tint val="60000"/>
-      </a:schemeClr>
-    </dgm:fillClrLst>
-    <dgm:linClrLst meth="repeat">
-      <a:schemeClr val="accent1">
-        <a:tint val="60000"/>
-      </a:schemeClr>
-    </dgm:linClrLst>
-    <dgm:effectClrLst/>
-    <dgm:txLinClrLst/>
-    <dgm:txFillClrLst/>
-    <dgm:txEffectClrLst/>
-  </dgm:styleLbl>
-  <dgm:styleLbl name="sibTrans1D1">
-    <dgm:fillClrLst meth="repeat">
-      <a:schemeClr val="accent1"/>
-    </dgm:fillClrLst>
-    <dgm:linClrLst meth="repeat">
-      <a:schemeClr val="accent1"/>
-    </dgm:linClrLst>
-    <dgm:effectClrLst/>
-    <dgm:txLinClrLst/>
-    <dgm:txFillClrLst meth="repeat">
-      <a:schemeClr val="tx1"/>
-    </dgm:txFillClrLst>
-    <dgm:txEffectClrLst/>
-  </dgm:styleLbl>
-  <dgm:styleLbl name="callout">
-    <dgm:fillClrLst meth="repeat">
-      <a:schemeClr val="accent1"/>
-    </dgm:fillClrLst>
-    <dgm:linClrLst meth="repeat">
-      <a:schemeClr val="accent1">
-        <a:tint val="50000"/>
+      <a:schemeClr val="dk1">
+        <a:shade val="80000"/>
       </a:schemeClr>
     </dgm:linClrLst>
     <dgm:effectClrLst/>
     <dgm:txLinClrLst/>
     <dgm:txFillClrLst meth="repeat">
-      <a:schemeClr val="tx1"/>
+      <a:schemeClr val="dk1"/>
     </dgm:txFillClrLst>
     <dgm:txEffectClrLst/>
   </dgm:styleLbl>
-  <dgm:styleLbl name="asst0">
+  <dgm:styleLbl name="node3">
     <dgm:fillClrLst meth="repeat">
-      <a:schemeClr val="accent1"/>
+      <a:schemeClr val="lt1"/>
     </dgm:fillClrLst>
     <dgm:linClrLst meth="repeat">
-      <a:schemeClr val="lt1"/>
+      <a:schemeClr val="dk1">
+        <a:shade val="80000"/>
+      </a:schemeClr>
     </dgm:linClrLst>
     <dgm:effectClrLst/>
     <dgm:txLinClrLst/>
-    <dgm:txFillClrLst/>
+    <dgm:txFillClrLst meth="repeat">
+      <a:schemeClr val="dk1"/>
+    </dgm:txFillClrLst>
     <dgm:txEffectClrLst/>
   </dgm:styleLbl>
-  <dgm:styleLbl name="asst1">
+  <dgm:styleLbl name="node4">
     <dgm:fillClrLst meth="repeat">
-      <a:schemeClr val="accent1"/>
+      <a:schemeClr val="lt1"/>
     </dgm:fillClrLst>
     <dgm:linClrLst meth="repeat">
-      <a:schemeClr val="lt1"/>
+      <a:schemeClr val="dk1">
+        <a:shade val="80000"/>
+      </a:schemeClr>
     </dgm:linClrLst>
     <dgm:effectClrLst/>
     <dgm:txLinClrLst/>
-    <dgm:txFillClrLst/>
+    <dgm:txFillClrLst meth="repeat">
+      <a:schemeClr val="dk1"/>
+    </dgm:txFillClrLst>
     <dgm:txEffectClrLst/>
   </dgm:styleLbl>
-  <dgm:styleLbl name="asst2">
+  <dgm:styleLbl name="fgImgPlace1">
     <dgm:fillClrLst meth="repeat">
-      <a:schemeClr val="accent1"/>
-    </dgm:fillClrLst>
-    <dgm:linClrLst meth="repeat">
-      <a:schemeClr val="lt1"/>
-    </dgm:linClrLst>
-    <dgm:effectClrLst/>
-    <dgm:txLinClrLst/>
-    <dgm:txFillClrLst/>
-    <dgm:txEffectClrLst/>
-  </dgm:styleLbl>
-  <dgm:styleLbl name="asst3">
-    <dgm:fillClrLst meth="repeat">
-      <a:schemeClr val="accent1"/>
-    </dgm:fillClrLst>
-    <dgm:linClrLst meth="repeat">
-      <a:schemeClr val="lt1"/>
-    </dgm:linClrLst>
-    <dgm:effectClrLst/>
-    <dgm:txLinClrLst/>
-    <dgm:txFillClrLst/>
-    <dgm:txEffectClrLst/>
-  </dgm:styleLbl>
-  <dgm:styleLbl name="asst4">
-    <dgm:fillClrLst meth="repeat">
-      <a:schemeClr val="accent1"/>
-    </dgm:fillClrLst>
-    <dgm:linClrLst meth="repeat">
-      <a:schemeClr val="lt1"/>
-    </dgm:linClrLst>
-    <dgm:effectClrLst/>
-    <dgm:txLinClrLst/>
-    <dgm:txFillClrLst/>
-    <dgm:txEffectClrLst/>
-  </dgm:styleLbl>
-  <dgm:styleLbl name="parChTrans2D1">
-    <dgm:fillClrLst meth="repeat">
-      <a:schemeClr val="accent1">
-        <a:tint val="60000"/>
+      <a:schemeClr val="dk1">
+        <a:tint val="40000"/>
       </a:schemeClr>
     </dgm:fillClrLst>
     <dgm:linClrLst meth="repeat">
-      <a:schemeClr val="accent1">
-        <a:tint val="60000"/>
+      <a:schemeClr val="dk1">
+        <a:shade val="80000"/>
       </a:schemeClr>
     </dgm:linClrLst>
     <dgm:effectClrLst/>
@@ -4936,12 +4840,16 @@
     </dgm:txFillClrLst>
     <dgm:txEffectClrLst/>
   </dgm:styleLbl>
-  <dgm:styleLbl name="parChTrans2D2">
+  <dgm:styleLbl name="alignImgPlace1">
     <dgm:fillClrLst meth="repeat">
-      <a:schemeClr val="accent1"/>
+      <a:schemeClr val="dk1">
+        <a:tint val="40000"/>
+      </a:schemeClr>
     </dgm:fillClrLst>
     <dgm:linClrLst meth="repeat">
-      <a:schemeClr val="accent1"/>
+      <a:schemeClr val="dk1">
+        <a:shade val="80000"/>
+      </a:schemeClr>
     </dgm:linClrLst>
     <dgm:effectClrLst/>
     <dgm:txLinClrLst/>
@@ -4950,12 +4858,16 @@
     </dgm:txFillClrLst>
     <dgm:txEffectClrLst/>
   </dgm:styleLbl>
-  <dgm:styleLbl name="parChTrans2D3">
+  <dgm:styleLbl name="bgImgPlace1">
     <dgm:fillClrLst meth="repeat">
-      <a:schemeClr val="accent1"/>
+      <a:schemeClr val="dk1">
+        <a:tint val="40000"/>
+      </a:schemeClr>
     </dgm:fillClrLst>
     <dgm:linClrLst meth="repeat">
-      <a:schemeClr val="accent1"/>
+      <a:schemeClr val="dk1">
+        <a:shade val="80000"/>
+      </a:schemeClr>
     </dgm:linClrLst>
     <dgm:effectClrLst/>
     <dgm:txLinClrLst/>
@@ -4964,12 +4876,214 @@
     </dgm:txFillClrLst>
     <dgm:txEffectClrLst/>
   </dgm:styleLbl>
+  <dgm:styleLbl name="sibTrans2D1">
+    <dgm:fillClrLst meth="repeat">
+      <a:schemeClr val="dk1">
+        <a:tint val="60000"/>
+      </a:schemeClr>
+    </dgm:fillClrLst>
+    <dgm:linClrLst meth="repeat">
+      <a:schemeClr val="dk1">
+        <a:tint val="60000"/>
+      </a:schemeClr>
+    </dgm:linClrLst>
+    <dgm:effectClrLst/>
+    <dgm:txLinClrLst/>
+    <dgm:txFillClrLst meth="repeat">
+      <a:schemeClr val="dk1"/>
+    </dgm:txFillClrLst>
+    <dgm:txEffectClrLst/>
+  </dgm:styleLbl>
+  <dgm:styleLbl name="fgSibTrans2D1">
+    <dgm:fillClrLst meth="repeat">
+      <a:schemeClr val="dk1">
+        <a:tint val="60000"/>
+      </a:schemeClr>
+    </dgm:fillClrLst>
+    <dgm:linClrLst meth="repeat">
+      <a:schemeClr val="dk1">
+        <a:tint val="60000"/>
+      </a:schemeClr>
+    </dgm:linClrLst>
+    <dgm:effectClrLst/>
+    <dgm:txLinClrLst/>
+    <dgm:txFillClrLst meth="repeat">
+      <a:schemeClr val="dk1"/>
+    </dgm:txFillClrLst>
+    <dgm:txEffectClrLst/>
+  </dgm:styleLbl>
+  <dgm:styleLbl name="bgSibTrans2D1">
+    <dgm:fillClrLst meth="repeat">
+      <a:schemeClr val="dk1">
+        <a:tint val="60000"/>
+      </a:schemeClr>
+    </dgm:fillClrLst>
+    <dgm:linClrLst meth="repeat">
+      <a:schemeClr val="dk1">
+        <a:tint val="60000"/>
+      </a:schemeClr>
+    </dgm:linClrLst>
+    <dgm:effectClrLst/>
+    <dgm:txLinClrLst/>
+    <dgm:txFillClrLst meth="repeat">
+      <a:schemeClr val="dk1"/>
+    </dgm:txFillClrLst>
+    <dgm:txEffectClrLst/>
+  </dgm:styleLbl>
+  <dgm:styleLbl name="sibTrans1D1">
+    <dgm:fillClrLst meth="repeat">
+      <a:schemeClr val="dk1"/>
+    </dgm:fillClrLst>
+    <dgm:linClrLst meth="repeat">
+      <a:schemeClr val="dk1"/>
+    </dgm:linClrLst>
+    <dgm:effectClrLst/>
+    <dgm:txLinClrLst/>
+    <dgm:txFillClrLst meth="repeat">
+      <a:schemeClr val="tx1"/>
+    </dgm:txFillClrLst>
+    <dgm:txEffectClrLst/>
+  </dgm:styleLbl>
+  <dgm:styleLbl name="callout">
+    <dgm:fillClrLst meth="repeat">
+      <a:schemeClr val="dk1"/>
+    </dgm:fillClrLst>
+    <dgm:linClrLst meth="repeat">
+      <a:schemeClr val="dk1"/>
+    </dgm:linClrLst>
+    <dgm:effectClrLst/>
+    <dgm:txLinClrLst/>
+    <dgm:txFillClrLst meth="repeat">
+      <a:schemeClr val="tx1"/>
+    </dgm:txFillClrLst>
+    <dgm:txEffectClrLst/>
+  </dgm:styleLbl>
+  <dgm:styleLbl name="asst0">
+    <dgm:fillClrLst meth="repeat">
+      <a:schemeClr val="lt1"/>
+    </dgm:fillClrLst>
+    <dgm:linClrLst meth="repeat">
+      <a:schemeClr val="dk1">
+        <a:shade val="80000"/>
+      </a:schemeClr>
+    </dgm:linClrLst>
+    <dgm:effectClrLst/>
+    <dgm:txLinClrLst/>
+    <dgm:txFillClrLst meth="repeat">
+      <a:schemeClr val="dk1"/>
+    </dgm:txFillClrLst>
+    <dgm:txEffectClrLst/>
+  </dgm:styleLbl>
+  <dgm:styleLbl name="asst1">
+    <dgm:fillClrLst meth="repeat">
+      <a:schemeClr val="lt1"/>
+    </dgm:fillClrLst>
+    <dgm:linClrLst meth="repeat">
+      <a:schemeClr val="dk1">
+        <a:shade val="80000"/>
+      </a:schemeClr>
+    </dgm:linClrLst>
+    <dgm:effectClrLst/>
+    <dgm:txLinClrLst/>
+    <dgm:txFillClrLst meth="repeat">
+      <a:schemeClr val="dk1"/>
+    </dgm:txFillClrLst>
+    <dgm:txEffectClrLst/>
+  </dgm:styleLbl>
+  <dgm:styleLbl name="asst2">
+    <dgm:fillClrLst meth="repeat">
+      <a:schemeClr val="lt1"/>
+    </dgm:fillClrLst>
+    <dgm:linClrLst meth="repeat">
+      <a:schemeClr val="dk1">
+        <a:shade val="80000"/>
+      </a:schemeClr>
+    </dgm:linClrLst>
+    <dgm:effectClrLst/>
+    <dgm:txLinClrLst/>
+    <dgm:txFillClrLst meth="repeat">
+      <a:schemeClr val="dk1"/>
+    </dgm:txFillClrLst>
+    <dgm:txEffectClrLst/>
+  </dgm:styleLbl>
+  <dgm:styleLbl name="asst3">
+    <dgm:fillClrLst meth="repeat">
+      <a:schemeClr val="lt1"/>
+    </dgm:fillClrLst>
+    <dgm:linClrLst meth="repeat">
+      <a:schemeClr val="dk1">
+        <a:shade val="80000"/>
+      </a:schemeClr>
+    </dgm:linClrLst>
+    <dgm:effectClrLst/>
+    <dgm:txLinClrLst/>
+    <dgm:txFillClrLst meth="repeat">
+      <a:schemeClr val="dk1"/>
+    </dgm:txFillClrLst>
+    <dgm:txEffectClrLst/>
+  </dgm:styleLbl>
+  <dgm:styleLbl name="asst4">
+    <dgm:fillClrLst meth="repeat">
+      <a:schemeClr val="lt1"/>
+    </dgm:fillClrLst>
+    <dgm:linClrLst meth="repeat">
+      <a:schemeClr val="dk1">
+        <a:shade val="80000"/>
+      </a:schemeClr>
+    </dgm:linClrLst>
+    <dgm:effectClrLst/>
+    <dgm:txLinClrLst/>
+    <dgm:txFillClrLst meth="repeat">
+      <a:schemeClr val="dk1"/>
+    </dgm:txFillClrLst>
+    <dgm:txEffectClrLst/>
+  </dgm:styleLbl>
+  <dgm:styleLbl name="parChTrans2D1">
+    <dgm:fillClrLst meth="repeat">
+      <a:schemeClr val="dk1">
+        <a:tint val="60000"/>
+      </a:schemeClr>
+    </dgm:fillClrLst>
+    <dgm:linClrLst meth="repeat">
+      <a:schemeClr val="dk1">
+        <a:tint val="60000"/>
+      </a:schemeClr>
+    </dgm:linClrLst>
+    <dgm:effectClrLst/>
+    <dgm:txLinClrLst/>
+    <dgm:txFillClrLst/>
+    <dgm:txEffectClrLst/>
+  </dgm:styleLbl>
+  <dgm:styleLbl name="parChTrans2D2">
+    <dgm:fillClrLst meth="repeat">
+      <a:schemeClr val="dk1"/>
+    </dgm:fillClrLst>
+    <dgm:linClrLst meth="repeat">
+      <a:schemeClr val="dk1"/>
+    </dgm:linClrLst>
+    <dgm:effectClrLst/>
+    <dgm:txLinClrLst/>
+    <dgm:txFillClrLst/>
+    <dgm:txEffectClrLst/>
+  </dgm:styleLbl>
+  <dgm:styleLbl name="parChTrans2D3">
+    <dgm:fillClrLst meth="repeat">
+      <a:schemeClr val="dk1"/>
+    </dgm:fillClrLst>
+    <dgm:linClrLst meth="repeat">
+      <a:schemeClr val="dk1"/>
+    </dgm:linClrLst>
+    <dgm:effectClrLst/>
+    <dgm:txLinClrLst/>
+    <dgm:txFillClrLst/>
+    <dgm:txEffectClrLst/>
+  </dgm:styleLbl>
   <dgm:styleLbl name="parChTrans2D4">
     <dgm:fillClrLst meth="repeat">
-      <a:schemeClr val="accent1"/>
+      <a:schemeClr val="dk1"/>
     </dgm:fillClrLst>
     <dgm:linClrLst meth="repeat">
-      <a:schemeClr val="accent1"/>
+      <a:schemeClr val="dk1"/>
     </dgm:linClrLst>
     <dgm:effectClrLst/>
     <dgm:txLinClrLst/>
@@ -4980,10 +5094,10 @@
   </dgm:styleLbl>
   <dgm:styleLbl name="parChTrans1D1">
     <dgm:fillClrLst meth="repeat">
-      <a:schemeClr val="accent1"/>
+      <a:schemeClr val="dk1"/>
     </dgm:fillClrLst>
     <dgm:linClrLst meth="repeat">
-      <a:schemeClr val="accent1">
+      <a:schemeClr val="dk1">
         <a:shade val="60000"/>
       </a:schemeClr>
     </dgm:linClrLst>
@@ -4996,10 +5110,10 @@
   </dgm:styleLbl>
   <dgm:styleLbl name="parChTrans1D2">
     <dgm:fillClrLst meth="repeat">
-      <a:schemeClr val="accent1"/>
+      <a:schemeClr val="dk1"/>
     </dgm:fillClrLst>
     <dgm:linClrLst meth="repeat">
-      <a:schemeClr val="accent1">
+      <a:schemeClr val="dk1">
         <a:shade val="60000"/>
       </a:schemeClr>
     </dgm:linClrLst>
@@ -5012,10 +5126,10 @@
   </dgm:styleLbl>
   <dgm:styleLbl name="parChTrans1D3">
     <dgm:fillClrLst meth="repeat">
-      <a:schemeClr val="accent1"/>
+      <a:schemeClr val="dk1"/>
     </dgm:fillClrLst>
     <dgm:linClrLst meth="repeat">
-      <a:schemeClr val="accent1">
+      <a:schemeClr val="dk1">
         <a:shade val="80000"/>
       </a:schemeClr>
     </dgm:linClrLst>
@@ -5028,10 +5142,10 @@
   </dgm:styleLbl>
   <dgm:styleLbl name="parChTrans1D4">
     <dgm:fillClrLst meth="repeat">
-      <a:schemeClr val="accent1"/>
+      <a:schemeClr val="dk1"/>
     </dgm:fillClrLst>
     <dgm:linClrLst meth="repeat">
-      <a:schemeClr val="accent1">
+      <a:schemeClr val="dk1">
         <a:shade val="80000"/>
       </a:schemeClr>
     </dgm:linClrLst>
@@ -5044,12 +5158,13 @@
   </dgm:styleLbl>
   <dgm:styleLbl name="fgAcc1">
     <dgm:fillClrLst meth="repeat">
-      <a:schemeClr val="lt1">
+      <a:schemeClr val="dk1">
         <a:alpha val="90000"/>
+        <a:tint val="40000"/>
       </a:schemeClr>
     </dgm:fillClrLst>
     <dgm:linClrLst meth="repeat">
-      <a:schemeClr val="accent1"/>
+      <a:schemeClr val="dk1"/>
     </dgm:linClrLst>
     <dgm:effectClrLst/>
     <dgm:txLinClrLst/>
@@ -5060,12 +5175,13 @@
   </dgm:styleLbl>
   <dgm:styleLbl name="conFgAcc1">
     <dgm:fillClrLst meth="repeat">
-      <a:schemeClr val="lt1">
+      <a:schemeClr val="dk1">
         <a:alpha val="90000"/>
+        <a:tint val="40000"/>
       </a:schemeClr>
     </dgm:fillClrLst>
     <dgm:linClrLst meth="repeat">
-      <a:schemeClr val="accent1"/>
+      <a:schemeClr val="dk1"/>
     </dgm:linClrLst>
     <dgm:effectClrLst/>
     <dgm:txLinClrLst/>
@@ -5076,12 +5192,13 @@
   </dgm:styleLbl>
   <dgm:styleLbl name="alignAcc1">
     <dgm:fillClrLst meth="repeat">
-      <a:schemeClr val="lt1">
+      <a:schemeClr val="dk1">
         <a:alpha val="90000"/>
+        <a:tint val="40000"/>
       </a:schemeClr>
     </dgm:fillClrLst>
     <dgm:linClrLst meth="repeat">
-      <a:schemeClr val="accent1"/>
+      <a:schemeClr val="dk1"/>
     </dgm:linClrLst>
     <dgm:effectClrLst/>
     <dgm:txLinClrLst/>
@@ -5092,12 +5209,13 @@
   </dgm:styleLbl>
   <dgm:styleLbl name="trAlignAcc1">
     <dgm:fillClrLst meth="repeat">
-      <a:schemeClr val="lt1">
+      <a:schemeClr val="dk1">
         <a:alpha val="40000"/>
+        <a:tint val="40000"/>
       </a:schemeClr>
     </dgm:fillClrLst>
     <dgm:linClrLst meth="repeat">
-      <a:schemeClr val="accent1"/>
+      <a:schemeClr val="dk1"/>
     </dgm:linClrLst>
     <dgm:effectClrLst/>
     <dgm:txLinClrLst/>
@@ -5108,12 +5226,13 @@
   </dgm:styleLbl>
   <dgm:styleLbl name="bgAcc1">
     <dgm:fillClrLst meth="repeat">
-      <a:schemeClr val="lt1">
+      <a:schemeClr val="dk1">
         <a:alpha val="90000"/>
+        <a:tint val="40000"/>
       </a:schemeClr>
     </dgm:fillClrLst>
     <dgm:linClrLst meth="repeat">
-      <a:schemeClr val="accent1"/>
+      <a:schemeClr val="dk1"/>
     </dgm:linClrLst>
     <dgm:effectClrLst/>
     <dgm:txLinClrLst/>
@@ -5127,7 +5246,7 @@
       <a:schemeClr val="lt1"/>
     </dgm:fillClrLst>
     <dgm:linClrLst meth="repeat">
-      <a:schemeClr val="accent1"/>
+      <a:schemeClr val="dk1"/>
     </dgm:linClrLst>
     <dgm:effectClrLst/>
     <dgm:txLinClrLst/>
@@ -5141,7 +5260,7 @@
       <a:schemeClr val="lt1"/>
     </dgm:fillClrLst>
     <dgm:linClrLst meth="repeat">
-      <a:schemeClr val="accent1"/>
+      <a:schemeClr val="dk1"/>
     </dgm:linClrLst>
     <dgm:effectClrLst/>
     <dgm:txLinClrLst/>
@@ -5155,7 +5274,7 @@
       <a:schemeClr val="lt1"/>
     </dgm:fillClrLst>
     <dgm:linClrLst meth="repeat">
-      <a:schemeClr val="accent1"/>
+      <a:schemeClr val="dk1"/>
     </dgm:linClrLst>
     <dgm:effectClrLst/>
     <dgm:txLinClrLst/>
@@ -5166,15 +5285,14 @@
   </dgm:styleLbl>
   <dgm:styleLbl name="fgAccFollowNode1">
     <dgm:fillClrLst meth="repeat">
-      <a:schemeClr val="accent1">
+      <a:schemeClr val="lt1">
         <a:alpha val="90000"/>
         <a:tint val="40000"/>
       </a:schemeClr>
     </dgm:fillClrLst>
     <dgm:linClrLst meth="repeat">
-      <a:schemeClr val="accent1">
+      <a:schemeClr val="dk1">
         <a:alpha val="90000"/>
-        <a:tint val="40000"/>
       </a:schemeClr>
     </dgm:linClrLst>
     <dgm:effectClrLst/>
@@ -5186,15 +5304,14 @@
   </dgm:styleLbl>
   <dgm:styleLbl name="alignAccFollowNode1">
     <dgm:fillClrLst meth="repeat">
-      <a:schemeClr val="accent1">
+      <a:schemeClr val="lt1">
         <a:alpha val="90000"/>
         <a:tint val="40000"/>
       </a:schemeClr>
     </dgm:fillClrLst>
     <dgm:linClrLst meth="repeat">
-      <a:schemeClr val="accent1">
+      <a:schemeClr val="dk1">
         <a:alpha val="90000"/>
-        <a:tint val="40000"/>
       </a:schemeClr>
     </dgm:linClrLst>
     <dgm:effectClrLst/>
@@ -5206,15 +5323,14 @@
   </dgm:styleLbl>
   <dgm:styleLbl name="bgAccFollowNode1">
     <dgm:fillClrLst meth="repeat">
-      <a:schemeClr val="accent1">
+      <a:schemeClr val="lt1">
         <a:alpha val="90000"/>
         <a:tint val="40000"/>
       </a:schemeClr>
     </dgm:fillClrLst>
     <dgm:linClrLst meth="repeat">
-      <a:schemeClr val="accent1">
+      <a:schemeClr val="dk1">
         <a:alpha val="90000"/>
-        <a:tint val="40000"/>
       </a:schemeClr>
     </dgm:linClrLst>
     <dgm:effectClrLst/>
@@ -5226,12 +5342,13 @@
   </dgm:styleLbl>
   <dgm:styleLbl name="fgAcc0">
     <dgm:fillClrLst meth="repeat">
-      <a:schemeClr val="lt1">
+      <a:schemeClr val="dk1">
         <a:alpha val="90000"/>
+        <a:tint val="40000"/>
       </a:schemeClr>
     </dgm:fillClrLst>
     <dgm:linClrLst meth="repeat">
-      <a:schemeClr val="accent1"/>
+      <a:schemeClr val="dk1"/>
     </dgm:linClrLst>
     <dgm:effectClrLst/>
     <dgm:txLinClrLst/>
@@ -5242,12 +5359,13 @@
   </dgm:styleLbl>
   <dgm:styleLbl name="fgAcc2">
     <dgm:fillClrLst meth="repeat">
-      <a:schemeClr val="lt1">
+      <a:schemeClr val="dk1">
         <a:alpha val="90000"/>
+        <a:tint val="40000"/>
       </a:schemeClr>
     </dgm:fillClrLst>
     <dgm:linClrLst meth="repeat">
-      <a:schemeClr val="accent1"/>
+      <a:schemeClr val="dk1"/>
     </dgm:linClrLst>
     <dgm:effectClrLst/>
     <dgm:txLinClrLst/>
@@ -5258,12 +5376,13 @@
   </dgm:styleLbl>
   <dgm:styleLbl name="fgAcc3">
     <dgm:fillClrLst meth="repeat">
-      <a:schemeClr val="lt1">
+      <a:schemeClr val="dk1">
         <a:alpha val="90000"/>
+        <a:tint val="40000"/>
       </a:schemeClr>
     </dgm:fillClrLst>
     <dgm:linClrLst meth="repeat">
-      <a:schemeClr val="accent1"/>
+      <a:schemeClr val="dk1"/>
     </dgm:linClrLst>
     <dgm:effectClrLst/>
     <dgm:txLinClrLst/>
@@ -5274,12 +5393,13 @@
   </dgm:styleLbl>
   <dgm:styleLbl name="fgAcc4">
     <dgm:fillClrLst meth="repeat">
-      <a:schemeClr val="lt1">
+      <a:schemeClr val="dk1">
         <a:alpha val="90000"/>
+        <a:tint val="40000"/>
       </a:schemeClr>
     </dgm:fillClrLst>
     <dgm:linClrLst meth="repeat">
-      <a:schemeClr val="accent1"/>
+      <a:schemeClr val="dk1"/>
     </dgm:linClrLst>
     <dgm:effectClrLst/>
     <dgm:txLinClrLst/>
@@ -5290,12 +5410,12 @@
   </dgm:styleLbl>
   <dgm:styleLbl name="bgShp">
     <dgm:fillClrLst meth="repeat">
-      <a:schemeClr val="accent1">
+      <a:schemeClr val="dk1">
         <a:tint val="40000"/>
       </a:schemeClr>
     </dgm:fillClrLst>
     <dgm:linClrLst meth="repeat">
-      <a:schemeClr val="accent1"/>
+      <a:schemeClr val="dk1"/>
     </dgm:linClrLst>
     <dgm:effectClrLst/>
     <dgm:txLinClrLst/>
@@ -5306,12 +5426,12 @@
   </dgm:styleLbl>
   <dgm:styleLbl name="dkBgShp">
     <dgm:fillClrLst meth="repeat">
-      <a:schemeClr val="accent1">
+      <a:schemeClr val="dk1">
         <a:shade val="80000"/>
       </a:schemeClr>
     </dgm:fillClrLst>
     <dgm:linClrLst meth="repeat">
-      <a:schemeClr val="accent1"/>
+      <a:schemeClr val="dk1"/>
     </dgm:linClrLst>
     <dgm:effectClrLst/>
     <dgm:txLinClrLst/>
@@ -5322,13 +5442,13 @@
   </dgm:styleLbl>
   <dgm:styleLbl name="trBgShp">
     <dgm:fillClrLst meth="repeat">
-      <a:schemeClr val="accent1">
+      <a:schemeClr val="dk1">
         <a:tint val="50000"/>
         <a:alpha val="40000"/>
       </a:schemeClr>
     </dgm:fillClrLst>
     <dgm:linClrLst meth="repeat">
-      <a:schemeClr val="accent1"/>
+      <a:schemeClr val="dk1"/>
     </dgm:linClrLst>
     <dgm:effectClrLst/>
     <dgm:txLinClrLst/>
@@ -5339,7 +5459,7 @@
   </dgm:styleLbl>
   <dgm:styleLbl name="fgShp">
     <dgm:fillClrLst meth="repeat">
-      <a:schemeClr val="accent1">
+      <a:schemeClr val="dk1">
         <a:tint val="60000"/>
       </a:schemeClr>
     </dgm:fillClrLst>
@@ -6065,8 +6185,8 @@
     <dgm:cxn modelId="{1CDEF5CE-34DF-4ACF-A7C3-9782AF9D252A}" type="presOf" srcId="{CE72D5AB-6BCB-4E1F-839B-773406258DAC}" destId="{B2623E71-3C10-4771-A288-279EECD8747B}" srcOrd="0" destOrd="0" presId="urn:microsoft.com/office/officeart/2005/8/layout/process2"/>
     <dgm:cxn modelId="{F0291AD0-B440-476D-8469-70D3B69A6AC0}" type="presOf" srcId="{0EC2DED4-5BC6-4632-A7AC-A0FFA9FA1067}" destId="{2A059E6E-B1FD-4CCD-93F5-069C2E1858F7}" srcOrd="0" destOrd="0" presId="urn:microsoft.com/office/officeart/2005/8/layout/process2"/>
     <dgm:cxn modelId="{D04BFBC3-C7EE-4E3B-A56B-8C9A522FAD14}" srcId="{FA2AE9FF-3E66-474E-A4C4-7A1014171ADC}" destId="{CE72D5AB-6BCB-4E1F-839B-773406258DAC}" srcOrd="0" destOrd="0" parTransId="{95D07A43-D68F-4260-BBB4-7475F6A05582}" sibTransId="{972205D7-B6E9-4AD9-B691-79D73D985AA3}"/>
+    <dgm:cxn modelId="{BB2FB905-2B56-4C20-AFB9-AAB3BE68366F}" type="presOf" srcId="{91F7301D-AD21-41EA-8CD6-F3A06CB58296}" destId="{DC412D28-AC77-47AE-9FA2-17B2330AF349}" srcOrd="0" destOrd="0" presId="urn:microsoft.com/office/officeart/2005/8/layout/process2"/>
     <dgm:cxn modelId="{86AE8F00-745B-4AC0-A057-07FEA313AB8E}" srcId="{FA2AE9FF-3E66-474E-A4C4-7A1014171ADC}" destId="{0EC2DED4-5BC6-4632-A7AC-A0FFA9FA1067}" srcOrd="2" destOrd="0" parTransId="{D30A7423-68BF-4B6C-8E0A-8DDB44AE768E}" sibTransId="{2511CF22-90B6-4A4C-AFA3-752CE8645C64}"/>
-    <dgm:cxn modelId="{BB2FB905-2B56-4C20-AFB9-AAB3BE68366F}" type="presOf" srcId="{91F7301D-AD21-41EA-8CD6-F3A06CB58296}" destId="{DC412D28-AC77-47AE-9FA2-17B2330AF349}" srcOrd="0" destOrd="0" presId="urn:microsoft.com/office/officeart/2005/8/layout/process2"/>
     <dgm:cxn modelId="{1AE25776-7688-4DAA-9C34-00B2A5AED144}" type="presOf" srcId="{972205D7-B6E9-4AD9-B691-79D73D985AA3}" destId="{AD2C6A60-2FAB-45A3-BA01-86382F2B7DD8}" srcOrd="1" destOrd="0" presId="urn:microsoft.com/office/officeart/2005/8/layout/process2"/>
     <dgm:cxn modelId="{CDF85E54-A69E-437F-BA08-696618BCCF85}" type="presOf" srcId="{D9C7EAC1-6063-44B5-B9A4-9C3F0EC32CA3}" destId="{010EF78F-143B-403E-B02B-F4736C95C450}" srcOrd="0" destOrd="0" presId="urn:microsoft.com/office/officeart/2005/8/layout/process2"/>
     <dgm:cxn modelId="{C8ACBB3C-5CF5-488F-BFF8-0C23091CAC94}" type="presParOf" srcId="{E48CDB62-2794-4A2E-9398-858F4883A026}" destId="{B2623E71-3C10-4771-A288-279EECD8747B}" srcOrd="0" destOrd="0" presId="urn:microsoft.com/office/officeart/2005/8/layout/process2"/>
@@ -6990,7 +7110,7 @@
 <dgm:dataModel xmlns:dgm="http://schemas.openxmlformats.org/drawingml/2006/diagram" xmlns:a="http://schemas.openxmlformats.org/drawingml/2006/main">
   <dgm:ptLst>
     <dgm:pt modelId="{36C843C9-F774-4469-B257-F7743EFAB1C7}" type="doc">
-      <dgm:prSet loTypeId="urn:microsoft.com/office/officeart/2005/8/layout/process3" loCatId="process" qsTypeId="urn:microsoft.com/office/officeart/2005/8/quickstyle/simple1" qsCatId="simple" csTypeId="urn:microsoft.com/office/officeart/2005/8/colors/accent1_2" csCatId="accent1" phldr="1"/>
+      <dgm:prSet loTypeId="urn:microsoft.com/office/officeart/2005/8/layout/process3" loCatId="process" qsTypeId="urn:microsoft.com/office/officeart/2005/8/quickstyle/simple1" qsCatId="simple" csTypeId="urn:microsoft.com/office/officeart/2005/8/colors/accent0_1" csCatId="mainScheme" phldr="1"/>
       <dgm:spPr/>
       <dgm:t>
         <a:bodyPr/>
@@ -7120,11 +7240,7 @@
         <a:p>
           <a:r>
             <a:rPr lang="id-ID" dirty="0" smtClean="0"/>
-            <a:t>Seleksi </a:t>
-          </a:r>
-          <a:r>
-            <a:rPr lang="id-ID" dirty="0" smtClean="0"/>
-            <a:t>Gen yang ada dalam list ranking</a:t>
+            <a:t>Seleksi Gen yang ada dalam list ranking</a:t>
           </a:r>
           <a:endParaRPr lang="id-ID" dirty="0"/>
         </a:p>
@@ -7283,6 +7399,13 @@
     <dgm:pt modelId="{49BE70CB-C1CA-4342-906D-4A36207A03A7}" type="pres">
       <dgm:prSet presAssocID="{C5B3B943-E00A-4710-B3F4-727673E107E1}" presName="composite" presStyleCnt="0"/>
       <dgm:spPr/>
+      <dgm:t>
+        <a:bodyPr/>
+        <a:lstStyle/>
+        <a:p>
+          <a:endParaRPr lang="id-ID"/>
+        </a:p>
+      </dgm:t>
     </dgm:pt>
     <dgm:pt modelId="{9BC00150-5A3E-4C15-A57B-53166540A3A3}" type="pres">
       <dgm:prSet presAssocID="{C5B3B943-E00A-4710-B3F4-727673E107E1}" presName="parTx" presStyleLbl="node1" presStyleIdx="0" presStyleCnt="3">
@@ -7352,6 +7475,13 @@
     <dgm:pt modelId="{8B471EFE-2090-4EF8-A601-965420252F78}" type="pres">
       <dgm:prSet presAssocID="{2F623540-BC18-4DFE-B31A-FD302374BA5F}" presName="composite" presStyleCnt="0"/>
       <dgm:spPr/>
+      <dgm:t>
+        <a:bodyPr/>
+        <a:lstStyle/>
+        <a:p>
+          <a:endParaRPr lang="id-ID"/>
+        </a:p>
+      </dgm:t>
     </dgm:pt>
     <dgm:pt modelId="{777ADAA0-B623-41D6-8C54-125B45F3D0A0}" type="pres">
       <dgm:prSet presAssocID="{2F623540-BC18-4DFE-B31A-FD302374BA5F}" presName="parTx" presStyleLbl="node1" presStyleIdx="0" presStyleCnt="3">
@@ -7421,6 +7551,13 @@
     <dgm:pt modelId="{8FFA56C2-D82A-4094-B317-5879C8A1B0F9}" type="pres">
       <dgm:prSet presAssocID="{C5FE7D47-A2A6-4439-BD4B-F8FA2B3245BA}" presName="composite" presStyleCnt="0"/>
       <dgm:spPr/>
+      <dgm:t>
+        <a:bodyPr/>
+        <a:lstStyle/>
+        <a:p>
+          <a:endParaRPr lang="id-ID"/>
+        </a:p>
+      </dgm:t>
     </dgm:pt>
     <dgm:pt modelId="{1366B3B3-A993-45D9-96F3-D31D2ED1707D}" type="pres">
       <dgm:prSet presAssocID="{C5FE7D47-A2A6-4439-BD4B-F8FA2B3245BA}" presName="parTx" presStyleLbl="node1" presStyleIdx="1" presStyleCnt="3">
@@ -7520,7 +7657,7 @@
 <dgm:dataModel xmlns:dgm="http://schemas.openxmlformats.org/drawingml/2006/diagram" xmlns:a="http://schemas.openxmlformats.org/drawingml/2006/main">
   <dgm:ptLst>
     <dgm:pt modelId="{36C843C9-F774-4469-B257-F7743EFAB1C7}" type="doc">
-      <dgm:prSet loTypeId="urn:microsoft.com/office/officeart/2005/8/layout/process3" loCatId="process" qsTypeId="urn:microsoft.com/office/officeart/2005/8/quickstyle/simple1" qsCatId="simple" csTypeId="urn:microsoft.com/office/officeart/2005/8/colors/accent1_2" csCatId="accent1" phldr="1"/>
+      <dgm:prSet loTypeId="urn:microsoft.com/office/officeart/2005/8/layout/process3" loCatId="process" qsTypeId="urn:microsoft.com/office/officeart/2005/8/quickstyle/simple3" qsCatId="simple" csTypeId="urn:microsoft.com/office/officeart/2005/8/colors/accent1_2" csCatId="accent1" phldr="1"/>
       <dgm:spPr/>
       <dgm:t>
         <a:bodyPr/>
@@ -7724,11 +7861,7 @@
         <a:p>
           <a:r>
             <a:rPr lang="id-ID" dirty="0" smtClean="0"/>
-            <a:t>Dataset </a:t>
-          </a:r>
-          <a:r>
-            <a:rPr lang="id-ID" dirty="0" smtClean="0"/>
-            <a:t>yang sesuai dengan struktur dataset python</a:t>
+            <a:t>Dataset yang sesuai dengan struktur dataset python</a:t>
           </a:r>
           <a:endParaRPr lang="id-ID" dirty="0"/>
         </a:p>
@@ -7887,6 +8020,13 @@
     <dgm:pt modelId="{49BE70CB-C1CA-4342-906D-4A36207A03A7}" type="pres">
       <dgm:prSet presAssocID="{C5B3B943-E00A-4710-B3F4-727673E107E1}" presName="composite" presStyleCnt="0"/>
       <dgm:spPr/>
+      <dgm:t>
+        <a:bodyPr/>
+        <a:lstStyle/>
+        <a:p>
+          <a:endParaRPr lang="id-ID"/>
+        </a:p>
+      </dgm:t>
     </dgm:pt>
     <dgm:pt modelId="{9BC00150-5A3E-4C15-A57B-53166540A3A3}" type="pres">
       <dgm:prSet presAssocID="{C5B3B943-E00A-4710-B3F4-727673E107E1}" presName="parTx" presStyleLbl="node1" presStyleIdx="0" presStyleCnt="3">
@@ -7956,6 +8096,13 @@
     <dgm:pt modelId="{8B471EFE-2090-4EF8-A601-965420252F78}" type="pres">
       <dgm:prSet presAssocID="{2F623540-BC18-4DFE-B31A-FD302374BA5F}" presName="composite" presStyleCnt="0"/>
       <dgm:spPr/>
+      <dgm:t>
+        <a:bodyPr/>
+        <a:lstStyle/>
+        <a:p>
+          <a:endParaRPr lang="id-ID"/>
+        </a:p>
+      </dgm:t>
     </dgm:pt>
     <dgm:pt modelId="{777ADAA0-B623-41D6-8C54-125B45F3D0A0}" type="pres">
       <dgm:prSet presAssocID="{2F623540-BC18-4DFE-B31A-FD302374BA5F}" presName="parTx" presStyleLbl="node1" presStyleIdx="0" presStyleCnt="3">
@@ -8025,6 +8172,13 @@
     <dgm:pt modelId="{8FFA56C2-D82A-4094-B317-5879C8A1B0F9}" type="pres">
       <dgm:prSet presAssocID="{C5FE7D47-A2A6-4439-BD4B-F8FA2B3245BA}" presName="composite" presStyleCnt="0"/>
       <dgm:spPr/>
+      <dgm:t>
+        <a:bodyPr/>
+        <a:lstStyle/>
+        <a:p>
+          <a:endParaRPr lang="id-ID"/>
+        </a:p>
+      </dgm:t>
     </dgm:pt>
     <dgm:pt modelId="{1366B3B3-A993-45D9-96F3-D31D2ED1707D}" type="pres">
       <dgm:prSet presAssocID="{C5FE7D47-A2A6-4439-BD4B-F8FA2B3245BA}" presName="parTx" presStyleLbl="node1" presStyleIdx="1" presStyleCnt="3">
@@ -8082,8 +8236,8 @@
     <dgm:cxn modelId="{923446D6-6E92-47C8-A923-8A5B07B85B5A}" srcId="{C5FE7D47-A2A6-4439-BD4B-F8FA2B3245BA}" destId="{2FD9637A-181E-4EF7-8011-C92E3C148F1E}" srcOrd="0" destOrd="0" parTransId="{8D067AB0-A9AE-4510-A745-91DC87BCE26C}" sibTransId="{66B5A46C-DF33-4DBA-948F-A216B2D01AB4}"/>
     <dgm:cxn modelId="{A347FD7D-CC1A-467E-83EE-9401E56BE370}" srcId="{2F623540-BC18-4DFE-B31A-FD302374BA5F}" destId="{0B6DB40B-2FB1-4058-9581-49E48016F925}" srcOrd="0" destOrd="0" parTransId="{B7D0DE46-9704-41E7-9D6B-B76E2304C5E2}" sibTransId="{34553DF8-4E1E-4D77-8CB3-791277CA2BCD}"/>
     <dgm:cxn modelId="{9EF21D75-F0E5-47C8-BB2C-F63298399506}" type="presOf" srcId="{C5FE7D47-A2A6-4439-BD4B-F8FA2B3245BA}" destId="{1366B3B3-A993-45D9-96F3-D31D2ED1707D}" srcOrd="0" destOrd="0" presId="urn:microsoft.com/office/officeart/2005/8/layout/process3"/>
+    <dgm:cxn modelId="{57177CE4-83B2-4289-AEAE-2C0F21B39CEA}" type="presOf" srcId="{36C843C9-F774-4469-B257-F7743EFAB1C7}" destId="{FB585D62-898C-4D7A-9A4E-F80A82FDB11C}" srcOrd="0" destOrd="0" presId="urn:microsoft.com/office/officeart/2005/8/layout/process3"/>
     <dgm:cxn modelId="{9F2D2D55-8220-4CE1-B7E4-CAE9F38DDBB7}" srcId="{2F623540-BC18-4DFE-B31A-FD302374BA5F}" destId="{3E39030B-A605-45C1-889A-F7E3BC52000F}" srcOrd="1" destOrd="0" parTransId="{AB8939C2-489F-4D4F-AFBF-6EEFE14B8EBF}" sibTransId="{13BF3A79-B3BA-4F8E-9A35-23DC41B43C4D}"/>
-    <dgm:cxn modelId="{57177CE4-83B2-4289-AEAE-2C0F21B39CEA}" type="presOf" srcId="{36C843C9-F774-4469-B257-F7743EFAB1C7}" destId="{FB585D62-898C-4D7A-9A4E-F80A82FDB11C}" srcOrd="0" destOrd="0" presId="urn:microsoft.com/office/officeart/2005/8/layout/process3"/>
     <dgm:cxn modelId="{DE25FB02-8A41-4EAF-B9C1-DEA3A559DDFB}" srcId="{C5B3B943-E00A-4710-B3F4-727673E107E1}" destId="{98AC6D94-6539-4EA6-A923-031B4E5914C4}" srcOrd="0" destOrd="0" parTransId="{060A2687-7762-40B0-BE35-F034D5C2E611}" sibTransId="{16B89BF3-3FC2-4BBB-8658-669EBD9DF29B}"/>
     <dgm:cxn modelId="{C38F2D1A-21E0-4F64-997B-543AD8144941}" type="presOf" srcId="{0B6DB40B-2FB1-4058-9581-49E48016F925}" destId="{0605755E-61BB-4ECD-BEDB-B46520541EA9}" srcOrd="0" destOrd="0" presId="urn:microsoft.com/office/officeart/2005/8/layout/process3"/>
     <dgm:cxn modelId="{B16D9E74-B077-4DC5-B380-F4E25E8881AE}" type="presOf" srcId="{2FD9637A-181E-4EF7-8011-C92E3C148F1E}" destId="{14115A59-832D-4B53-8F4D-52F82E5A7A39}" srcOrd="0" destOrd="0" presId="urn:microsoft.com/office/officeart/2005/8/layout/process3"/>
@@ -8128,7 +8282,7 @@
 <dgm:dataModel xmlns:dgm="http://schemas.openxmlformats.org/drawingml/2006/diagram" xmlns:a="http://schemas.openxmlformats.org/drawingml/2006/main">
   <dgm:ptLst>
     <dgm:pt modelId="{DF6087ED-386A-44FB-88FD-95EAF7A4C437}" type="doc">
-      <dgm:prSet loTypeId="urn:microsoft.com/office/officeart/2005/8/layout/hProcess9" loCatId="process" qsTypeId="urn:microsoft.com/office/officeart/2005/8/quickstyle/simple1" qsCatId="simple" csTypeId="urn:microsoft.com/office/officeart/2005/8/colors/accent1_2" csCatId="accent1" phldr="1"/>
+      <dgm:prSet loTypeId="urn:microsoft.com/office/officeart/2005/8/layout/hProcess9" loCatId="process" qsTypeId="urn:microsoft.com/office/officeart/2005/8/quickstyle/simple1" qsCatId="simple" csTypeId="urn:microsoft.com/office/officeart/2005/8/colors/accent0_1" csCatId="mainScheme" phldr="1"/>
       <dgm:spPr/>
     </dgm:pt>
     <dgm:pt modelId="{5C62E60B-E6A0-442E-B8ED-7E4989731C6B}">
@@ -8183,11 +8337,7 @@
         <a:p>
           <a:r>
             <a:rPr lang="id-ID" dirty="0" smtClean="0"/>
-            <a:t>Training Menggunakan Metode Supervised Standar (</a:t>
-          </a:r>
-          <a:r>
-            <a:rPr lang="id-ID" dirty="0" smtClean="0"/>
-            <a:t>MLP)</a:t>
+            <a:t>Training Menggunakan Metode Supervised Standar (MLP)</a:t>
           </a:r>
           <a:endParaRPr lang="id-ID" dirty="0"/>
         </a:p>
@@ -10807,7 +10957,7 @@
           </a:avLst>
         </a:prstGeom>
         <a:solidFill>
-          <a:schemeClr val="accent1">
+          <a:schemeClr val="lt1">
             <a:hueOff val="0"/>
             <a:satOff val="0"/>
             <a:lumOff val="0"/>
@@ -10816,7 +10966,8 @@
         </a:solidFill>
         <a:ln w="19050" cap="rnd" cmpd="sng" algn="ctr">
           <a:solidFill>
-            <a:schemeClr val="lt1">
+            <a:schemeClr val="dk1">
+              <a:shade val="80000"/>
               <a:hueOff val="0"/>
               <a:satOff val="0"/>
               <a:lumOff val="0"/>
@@ -10886,8 +11037,9 @@
           </a:avLst>
         </a:prstGeom>
         <a:solidFill>
-          <a:schemeClr val="lt1">
+          <a:schemeClr val="dk1">
             <a:alpha val="90000"/>
+            <a:tint val="40000"/>
             <a:hueOff val="0"/>
             <a:satOff val="0"/>
             <a:lumOff val="0"/>
@@ -10896,7 +11048,7 @@
         </a:solidFill>
         <a:ln w="19050" cap="rnd" cmpd="sng" algn="ctr">
           <a:solidFill>
-            <a:schemeClr val="accent1">
+            <a:schemeClr val="dk1">
               <a:hueOff val="0"/>
               <a:satOff val="0"/>
               <a:lumOff val="0"/>
@@ -10985,7 +11137,7 @@
           </a:avLst>
         </a:prstGeom>
         <a:solidFill>
-          <a:schemeClr val="accent1">
+          <a:schemeClr val="dk1">
             <a:tint val="60000"/>
             <a:hueOff val="0"/>
             <a:satOff val="0"/>
@@ -11053,7 +11205,7 @@
           </a:avLst>
         </a:prstGeom>
         <a:solidFill>
-          <a:schemeClr val="accent1">
+          <a:schemeClr val="lt1">
             <a:hueOff val="0"/>
             <a:satOff val="0"/>
             <a:lumOff val="0"/>
@@ -11062,7 +11214,8 @@
         </a:solidFill>
         <a:ln w="19050" cap="rnd" cmpd="sng" algn="ctr">
           <a:solidFill>
-            <a:schemeClr val="lt1">
+            <a:schemeClr val="dk1">
+              <a:shade val="80000"/>
               <a:hueOff val="0"/>
               <a:satOff val="0"/>
               <a:lumOff val="0"/>
@@ -11132,8 +11285,9 @@
           </a:avLst>
         </a:prstGeom>
         <a:solidFill>
-          <a:schemeClr val="lt1">
+          <a:schemeClr val="dk1">
             <a:alpha val="90000"/>
+            <a:tint val="40000"/>
             <a:hueOff val="0"/>
             <a:satOff val="0"/>
             <a:lumOff val="0"/>
@@ -11142,7 +11296,7 @@
         </a:solidFill>
         <a:ln w="19050" cap="rnd" cmpd="sng" algn="ctr">
           <a:solidFill>
-            <a:schemeClr val="accent1">
+            <a:schemeClr val="dk1">
               <a:hueOff val="0"/>
               <a:satOff val="0"/>
               <a:lumOff val="0"/>
@@ -11185,11 +11339,7 @@
           </a:pPr>
           <a:r>
             <a:rPr lang="id-ID" sz="1500" kern="1200" dirty="0" smtClean="0"/>
-            <a:t>Seleksi </a:t>
-          </a:r>
-          <a:r>
-            <a:rPr lang="id-ID" sz="1500" kern="1200" dirty="0" smtClean="0"/>
-            <a:t>Gen yang ada dalam list ranking</a:t>
+            <a:t>Seleksi Gen yang ada dalam list ranking</a:t>
           </a:r>
           <a:endParaRPr lang="id-ID" sz="1500" kern="1200" dirty="0"/>
         </a:p>
@@ -11216,7 +11366,7 @@
           </a:avLst>
         </a:prstGeom>
         <a:solidFill>
-          <a:schemeClr val="accent1">
+          <a:schemeClr val="dk1">
             <a:tint val="60000"/>
             <a:hueOff val="0"/>
             <a:satOff val="0"/>
@@ -11284,7 +11434,7 @@
           </a:avLst>
         </a:prstGeom>
         <a:solidFill>
-          <a:schemeClr val="accent1">
+          <a:schemeClr val="lt1">
             <a:hueOff val="0"/>
             <a:satOff val="0"/>
             <a:lumOff val="0"/>
@@ -11293,7 +11443,8 @@
         </a:solidFill>
         <a:ln w="19050" cap="rnd" cmpd="sng" algn="ctr">
           <a:solidFill>
-            <a:schemeClr val="lt1">
+            <a:schemeClr val="dk1">
+              <a:shade val="80000"/>
               <a:hueOff val="0"/>
               <a:satOff val="0"/>
               <a:lumOff val="0"/>
@@ -11363,8 +11514,9 @@
           </a:avLst>
         </a:prstGeom>
         <a:solidFill>
-          <a:schemeClr val="lt1">
+          <a:schemeClr val="dk1">
             <a:alpha val="90000"/>
+            <a:tint val="40000"/>
             <a:hueOff val="0"/>
             <a:satOff val="0"/>
             <a:lumOff val="0"/>
@@ -11373,7 +11525,7 @@
         </a:solidFill>
         <a:ln w="19050" cap="rnd" cmpd="sng" algn="ctr">
           <a:solidFill>
-            <a:schemeClr val="accent1">
+            <a:schemeClr val="dk1">
               <a:hueOff val="0"/>
               <a:satOff val="0"/>
               <a:lumOff val="0"/>
@@ -11453,39 +11605,54 @@
             <a:gd name="adj" fmla="val 10000"/>
           </a:avLst>
         </a:prstGeom>
-        <a:solidFill>
-          <a:schemeClr val="accent1">
-            <a:hueOff val="0"/>
-            <a:satOff val="0"/>
-            <a:lumOff val="0"/>
-            <a:alphaOff val="0"/>
-          </a:schemeClr>
-        </a:solidFill>
-        <a:ln w="19050" cap="rnd" cmpd="sng" algn="ctr">
-          <a:solidFill>
-            <a:schemeClr val="lt1">
-              <a:hueOff val="0"/>
-              <a:satOff val="0"/>
-              <a:lumOff val="0"/>
-              <a:alphaOff val="0"/>
-            </a:schemeClr>
-          </a:solidFill>
-          <a:prstDash val="solid"/>
+        <a:gradFill rotWithShape="0">
+          <a:gsLst>
+            <a:gs pos="0">
+              <a:schemeClr val="accent1">
+                <a:hueOff val="0"/>
+                <a:satOff val="0"/>
+                <a:lumOff val="0"/>
+                <a:alphaOff val="0"/>
+                <a:tint val="65000"/>
+                <a:lumMod val="110000"/>
+              </a:schemeClr>
+            </a:gs>
+            <a:gs pos="88000">
+              <a:schemeClr val="accent1">
+                <a:hueOff val="0"/>
+                <a:satOff val="0"/>
+                <a:lumOff val="0"/>
+                <a:alphaOff val="0"/>
+                <a:tint val="90000"/>
+              </a:schemeClr>
+            </a:gs>
+          </a:gsLst>
+          <a:lin ang="5400000" scaled="0"/>
+        </a:gradFill>
+        <a:ln>
+          <a:noFill/>
         </a:ln>
         <a:effectLst/>
+        <a:scene3d>
+          <a:camera prst="orthographicFront"/>
+          <a:lightRig rig="flat" dir="t"/>
+        </a:scene3d>
+        <a:sp3d prstMaterial="dkEdge">
+          <a:bevelT w="8200" h="38100"/>
+        </a:sp3d>
       </dsp:spPr>
       <dsp:style>
-        <a:lnRef idx="2">
+        <a:lnRef idx="0">
           <a:scrgbClr r="0" g="0" b="0"/>
         </a:lnRef>
-        <a:fillRef idx="1">
+        <a:fillRef idx="2">
           <a:scrgbClr r="0" g="0" b="0"/>
         </a:fillRef>
-        <a:effectRef idx="0">
+        <a:effectRef idx="1">
           <a:scrgbClr r="0" g="0" b="0"/>
         </a:effectRef>
         <a:fontRef idx="minor">
-          <a:schemeClr val="lt1"/>
+          <a:schemeClr val="dk1"/>
         </a:fontRef>
       </dsp:style>
       <dsp:txBody>
@@ -11541,7 +11708,7 @@
             <a:alphaOff val="0"/>
           </a:schemeClr>
         </a:solidFill>
-        <a:ln w="19050" cap="rnd" cmpd="sng" algn="ctr">
+        <a:ln w="12700" cap="rnd" cmpd="sng" algn="ctr">
           <a:solidFill>
             <a:schemeClr val="accent1">
               <a:hueOff val="0"/>
@@ -11555,7 +11722,7 @@
         <a:effectLst/>
       </dsp:spPr>
       <dsp:style>
-        <a:lnRef idx="2">
+        <a:lnRef idx="1">
           <a:scrgbClr r="0" g="0" b="0"/>
         </a:lnRef>
         <a:fillRef idx="1">
@@ -11631,15 +11798,32 @@
             <a:gd name="adj2" fmla="val 50000"/>
           </a:avLst>
         </a:prstGeom>
-        <a:solidFill>
-          <a:schemeClr val="accent1">
-            <a:tint val="60000"/>
-            <a:hueOff val="0"/>
-            <a:satOff val="0"/>
-            <a:lumOff val="0"/>
-            <a:alphaOff val="0"/>
-          </a:schemeClr>
-        </a:solidFill>
+        <a:gradFill rotWithShape="0">
+          <a:gsLst>
+            <a:gs pos="0">
+              <a:schemeClr val="accent1">
+                <a:tint val="60000"/>
+                <a:hueOff val="0"/>
+                <a:satOff val="0"/>
+                <a:lumOff val="0"/>
+                <a:alphaOff val="0"/>
+                <a:tint val="65000"/>
+                <a:lumMod val="110000"/>
+              </a:schemeClr>
+            </a:gs>
+            <a:gs pos="88000">
+              <a:schemeClr val="accent1">
+                <a:tint val="60000"/>
+                <a:hueOff val="0"/>
+                <a:satOff val="0"/>
+                <a:lumOff val="0"/>
+                <a:alphaOff val="0"/>
+                <a:tint val="90000"/>
+              </a:schemeClr>
+            </a:gs>
+          </a:gsLst>
+          <a:lin ang="5400000" scaled="0"/>
+        </a:gradFill>
         <a:ln>
           <a:noFill/>
         </a:ln>
@@ -11649,14 +11833,14 @@
         <a:lnRef idx="0">
           <a:scrgbClr r="0" g="0" b="0"/>
         </a:lnRef>
-        <a:fillRef idx="1">
+        <a:fillRef idx="2">
           <a:scrgbClr r="0" g="0" b="0"/>
         </a:fillRef>
-        <a:effectRef idx="0">
+        <a:effectRef idx="1">
           <a:scrgbClr r="0" g="0" b="0"/>
         </a:effectRef>
         <a:fontRef idx="minor">
-          <a:schemeClr val="lt1"/>
+          <a:schemeClr val="dk1"/>
         </a:fontRef>
       </dsp:style>
       <dsp:txBody>
@@ -11699,39 +11883,54 @@
             <a:gd name="adj" fmla="val 10000"/>
           </a:avLst>
         </a:prstGeom>
-        <a:solidFill>
-          <a:schemeClr val="accent1">
-            <a:hueOff val="0"/>
-            <a:satOff val="0"/>
-            <a:lumOff val="0"/>
-            <a:alphaOff val="0"/>
-          </a:schemeClr>
-        </a:solidFill>
-        <a:ln w="19050" cap="rnd" cmpd="sng" algn="ctr">
-          <a:solidFill>
-            <a:schemeClr val="lt1">
-              <a:hueOff val="0"/>
-              <a:satOff val="0"/>
-              <a:lumOff val="0"/>
-              <a:alphaOff val="0"/>
-            </a:schemeClr>
-          </a:solidFill>
-          <a:prstDash val="solid"/>
+        <a:gradFill rotWithShape="0">
+          <a:gsLst>
+            <a:gs pos="0">
+              <a:schemeClr val="accent1">
+                <a:hueOff val="0"/>
+                <a:satOff val="0"/>
+                <a:lumOff val="0"/>
+                <a:alphaOff val="0"/>
+                <a:tint val="65000"/>
+                <a:lumMod val="110000"/>
+              </a:schemeClr>
+            </a:gs>
+            <a:gs pos="88000">
+              <a:schemeClr val="accent1">
+                <a:hueOff val="0"/>
+                <a:satOff val="0"/>
+                <a:lumOff val="0"/>
+                <a:alphaOff val="0"/>
+                <a:tint val="90000"/>
+              </a:schemeClr>
+            </a:gs>
+          </a:gsLst>
+          <a:lin ang="5400000" scaled="0"/>
+        </a:gradFill>
+        <a:ln>
+          <a:noFill/>
         </a:ln>
         <a:effectLst/>
+        <a:scene3d>
+          <a:camera prst="orthographicFront"/>
+          <a:lightRig rig="flat" dir="t"/>
+        </a:scene3d>
+        <a:sp3d prstMaterial="dkEdge">
+          <a:bevelT w="8200" h="38100"/>
+        </a:sp3d>
       </dsp:spPr>
       <dsp:style>
-        <a:lnRef idx="2">
+        <a:lnRef idx="0">
           <a:scrgbClr r="0" g="0" b="0"/>
         </a:lnRef>
-        <a:fillRef idx="1">
+        <a:fillRef idx="2">
           <a:scrgbClr r="0" g="0" b="0"/>
         </a:fillRef>
-        <a:effectRef idx="0">
+        <a:effectRef idx="1">
           <a:scrgbClr r="0" g="0" b="0"/>
         </a:effectRef>
         <a:fontRef idx="minor">
-          <a:schemeClr val="lt1"/>
+          <a:schemeClr val="dk1"/>
         </a:fontRef>
       </dsp:style>
       <dsp:txBody>
@@ -11787,7 +11986,7 @@
             <a:alphaOff val="0"/>
           </a:schemeClr>
         </a:solidFill>
-        <a:ln w="19050" cap="rnd" cmpd="sng" algn="ctr">
+        <a:ln w="12700" cap="rnd" cmpd="sng" algn="ctr">
           <a:solidFill>
             <a:schemeClr val="accent1">
               <a:hueOff val="0"/>
@@ -11801,7 +12000,7 @@
         <a:effectLst/>
       </dsp:spPr>
       <dsp:style>
-        <a:lnRef idx="2">
+        <a:lnRef idx="1">
           <a:scrgbClr r="0" g="0" b="0"/>
         </a:lnRef>
         <a:fillRef idx="1">
@@ -11896,15 +12095,32 @@
             <a:gd name="adj2" fmla="val 50000"/>
           </a:avLst>
         </a:prstGeom>
-        <a:solidFill>
-          <a:schemeClr val="accent1">
-            <a:tint val="60000"/>
-            <a:hueOff val="0"/>
-            <a:satOff val="0"/>
-            <a:lumOff val="0"/>
-            <a:alphaOff val="0"/>
-          </a:schemeClr>
-        </a:solidFill>
+        <a:gradFill rotWithShape="0">
+          <a:gsLst>
+            <a:gs pos="0">
+              <a:schemeClr val="accent1">
+                <a:tint val="60000"/>
+                <a:hueOff val="0"/>
+                <a:satOff val="0"/>
+                <a:lumOff val="0"/>
+                <a:alphaOff val="0"/>
+                <a:tint val="65000"/>
+                <a:lumMod val="110000"/>
+              </a:schemeClr>
+            </a:gs>
+            <a:gs pos="88000">
+              <a:schemeClr val="accent1">
+                <a:tint val="60000"/>
+                <a:hueOff val="0"/>
+                <a:satOff val="0"/>
+                <a:lumOff val="0"/>
+                <a:alphaOff val="0"/>
+                <a:tint val="90000"/>
+              </a:schemeClr>
+            </a:gs>
+          </a:gsLst>
+          <a:lin ang="5400000" scaled="0"/>
+        </a:gradFill>
         <a:ln>
           <a:noFill/>
         </a:ln>
@@ -11914,14 +12130,14 @@
         <a:lnRef idx="0">
           <a:scrgbClr r="0" g="0" b="0"/>
         </a:lnRef>
-        <a:fillRef idx="1">
+        <a:fillRef idx="2">
           <a:scrgbClr r="0" g="0" b="0"/>
         </a:fillRef>
-        <a:effectRef idx="0">
+        <a:effectRef idx="1">
           <a:scrgbClr r="0" g="0" b="0"/>
         </a:effectRef>
         <a:fontRef idx="minor">
-          <a:schemeClr val="lt1"/>
+          <a:schemeClr val="dk1"/>
         </a:fontRef>
       </dsp:style>
       <dsp:txBody>
@@ -11964,39 +12180,54 @@
             <a:gd name="adj" fmla="val 10000"/>
           </a:avLst>
         </a:prstGeom>
-        <a:solidFill>
-          <a:schemeClr val="accent1">
-            <a:hueOff val="0"/>
-            <a:satOff val="0"/>
-            <a:lumOff val="0"/>
-            <a:alphaOff val="0"/>
-          </a:schemeClr>
-        </a:solidFill>
-        <a:ln w="19050" cap="rnd" cmpd="sng" algn="ctr">
-          <a:solidFill>
-            <a:schemeClr val="lt1">
-              <a:hueOff val="0"/>
-              <a:satOff val="0"/>
-              <a:lumOff val="0"/>
-              <a:alphaOff val="0"/>
-            </a:schemeClr>
-          </a:solidFill>
-          <a:prstDash val="solid"/>
+        <a:gradFill rotWithShape="0">
+          <a:gsLst>
+            <a:gs pos="0">
+              <a:schemeClr val="accent1">
+                <a:hueOff val="0"/>
+                <a:satOff val="0"/>
+                <a:lumOff val="0"/>
+                <a:alphaOff val="0"/>
+                <a:tint val="65000"/>
+                <a:lumMod val="110000"/>
+              </a:schemeClr>
+            </a:gs>
+            <a:gs pos="88000">
+              <a:schemeClr val="accent1">
+                <a:hueOff val="0"/>
+                <a:satOff val="0"/>
+                <a:lumOff val="0"/>
+                <a:alphaOff val="0"/>
+                <a:tint val="90000"/>
+              </a:schemeClr>
+            </a:gs>
+          </a:gsLst>
+          <a:lin ang="5400000" scaled="0"/>
+        </a:gradFill>
+        <a:ln>
+          <a:noFill/>
         </a:ln>
         <a:effectLst/>
+        <a:scene3d>
+          <a:camera prst="orthographicFront"/>
+          <a:lightRig rig="flat" dir="t"/>
+        </a:scene3d>
+        <a:sp3d prstMaterial="dkEdge">
+          <a:bevelT w="8200" h="38100"/>
+        </a:sp3d>
       </dsp:spPr>
       <dsp:style>
-        <a:lnRef idx="2">
+        <a:lnRef idx="0">
           <a:scrgbClr r="0" g="0" b="0"/>
         </a:lnRef>
-        <a:fillRef idx="1">
+        <a:fillRef idx="2">
           <a:scrgbClr r="0" g="0" b="0"/>
         </a:fillRef>
-        <a:effectRef idx="0">
+        <a:effectRef idx="1">
           <a:scrgbClr r="0" g="0" b="0"/>
         </a:effectRef>
         <a:fontRef idx="minor">
-          <a:schemeClr val="lt1"/>
+          <a:schemeClr val="dk1"/>
         </a:fontRef>
       </dsp:style>
       <dsp:txBody>
@@ -12052,7 +12283,7 @@
             <a:alphaOff val="0"/>
           </a:schemeClr>
         </a:solidFill>
-        <a:ln w="19050" cap="rnd" cmpd="sng" algn="ctr">
+        <a:ln w="12700" cap="rnd" cmpd="sng" algn="ctr">
           <a:solidFill>
             <a:schemeClr val="accent1">
               <a:hueOff val="0"/>
@@ -12066,7 +12297,7 @@
         <a:effectLst/>
       </dsp:spPr>
       <dsp:style>
-        <a:lnRef idx="2">
+        <a:lnRef idx="1">
           <a:scrgbClr r="0" g="0" b="0"/>
         </a:lnRef>
         <a:fillRef idx="1">
@@ -12097,11 +12328,7 @@
           </a:pPr>
           <a:r>
             <a:rPr lang="id-ID" sz="1500" kern="1200" dirty="0" smtClean="0"/>
-            <a:t>Dataset </a:t>
-          </a:r>
-          <a:r>
-            <a:rPr lang="id-ID" sz="1500" kern="1200" dirty="0" smtClean="0"/>
-            <a:t>yang sesuai dengan struktur dataset python</a:t>
+            <a:t>Dataset yang sesuai dengan struktur dataset python</a:t>
           </a:r>
           <a:endParaRPr lang="id-ID" sz="1500" kern="1200" dirty="0"/>
         </a:p>
@@ -12137,7 +12364,7 @@
           <a:avLst/>
         </a:prstGeom>
         <a:solidFill>
-          <a:schemeClr val="accent1">
+          <a:schemeClr val="dk1">
             <a:tint val="40000"/>
             <a:hueOff val="0"/>
             <a:satOff val="0"/>
@@ -12177,7 +12404,7 @@
           <a:avLst/>
         </a:prstGeom>
         <a:solidFill>
-          <a:schemeClr val="accent1">
+          <a:schemeClr val="lt1">
             <a:hueOff val="0"/>
             <a:satOff val="0"/>
             <a:lumOff val="0"/>
@@ -12186,7 +12413,8 @@
         </a:solidFill>
         <a:ln w="19050" cap="rnd" cmpd="sng" algn="ctr">
           <a:solidFill>
-            <a:schemeClr val="lt1">
+            <a:schemeClr val="dk1">
+              <a:shade val="80000"/>
               <a:hueOff val="0"/>
               <a:satOff val="0"/>
               <a:lumOff val="0"/>
@@ -12271,7 +12499,7 @@
           <a:avLst/>
         </a:prstGeom>
         <a:solidFill>
-          <a:schemeClr val="accent1">
+          <a:schemeClr val="lt1">
             <a:hueOff val="0"/>
             <a:satOff val="0"/>
             <a:lumOff val="0"/>
@@ -12280,7 +12508,8 @@
         </a:solidFill>
         <a:ln w="19050" cap="rnd" cmpd="sng" algn="ctr">
           <a:solidFill>
-            <a:schemeClr val="lt1">
+            <a:schemeClr val="dk1">
+              <a:shade val="80000"/>
               <a:hueOff val="0"/>
               <a:satOff val="0"/>
               <a:lumOff val="0"/>
@@ -12324,11 +12553,7 @@
           </a:pPr>
           <a:r>
             <a:rPr lang="id-ID" sz="1500" kern="1200" dirty="0" smtClean="0"/>
-            <a:t>Training Menggunakan Metode Supervised Standar (</a:t>
-          </a:r>
-          <a:r>
-            <a:rPr lang="id-ID" sz="1500" kern="1200" dirty="0" smtClean="0"/>
-            <a:t>MLP)</a:t>
+            <a:t>Training Menggunakan Metode Supervised Standar (MLP)</a:t>
           </a:r>
           <a:endParaRPr lang="id-ID" sz="1500" kern="1200" dirty="0"/>
         </a:p>
@@ -12352,7 +12577,7 @@
           <a:avLst/>
         </a:prstGeom>
         <a:solidFill>
-          <a:schemeClr val="accent1">
+          <a:schemeClr val="lt1">
             <a:hueOff val="0"/>
             <a:satOff val="0"/>
             <a:lumOff val="0"/>
@@ -12361,7 +12586,8 @@
         </a:solidFill>
         <a:ln w="19050" cap="rnd" cmpd="sng" algn="ctr">
           <a:solidFill>
-            <a:schemeClr val="lt1">
+            <a:schemeClr val="dk1">
+              <a:shade val="80000"/>
               <a:hueOff val="0"/>
               <a:satOff val="0"/>
               <a:lumOff val="0"/>
@@ -19041,11 +19267,11 @@
 </file>
 
 <file path=ppt/diagrams/quickStyle6.xml><?xml version="1.0" encoding="utf-8"?>
-<dgm:styleDef xmlns:dgm="http://schemas.openxmlformats.org/drawingml/2006/diagram" xmlns:a="http://schemas.openxmlformats.org/drawingml/2006/main" uniqueId="urn:microsoft.com/office/officeart/2005/8/quickstyle/simple1">
+<dgm:styleDef xmlns:dgm="http://schemas.openxmlformats.org/drawingml/2006/diagram" xmlns:a="http://schemas.openxmlformats.org/drawingml/2006/main" uniqueId="urn:microsoft.com/office/officeart/2005/8/quickstyle/simple3">
   <dgm:title val=""/>
   <dgm:desc val=""/>
   <dgm:catLst>
-    <dgm:cat type="simple" pri="10100"/>
+    <dgm:cat type="simple" pri="10300"/>
   </dgm:catLst>
   <dgm:scene3d>
     <a:camera prst="orthographicFront"/>
@@ -19054,59 +19280,65 @@
   <dgm:styleLbl name="node0">
     <dgm:scene3d>
       <a:camera prst="orthographicFront"/>
-      <a:lightRig rig="threePt" dir="t"/>
+      <a:lightRig rig="flat" dir="t"/>
     </dgm:scene3d>
-    <dgm:sp3d/>
+    <dgm:sp3d prstMaterial="dkEdge">
+      <a:bevelT w="8200" h="38100"/>
+    </dgm:sp3d>
     <dgm:txPr/>
     <dgm:style>
-      <a:lnRef idx="2">
+      <a:lnRef idx="0">
         <a:scrgbClr r="0" g="0" b="0"/>
       </a:lnRef>
-      <a:fillRef idx="1">
+      <a:fillRef idx="2">
         <a:scrgbClr r="0" g="0" b="0"/>
       </a:fillRef>
-      <a:effectRef idx="0">
+      <a:effectRef idx="1">
         <a:scrgbClr r="0" g="0" b="0"/>
       </a:effectRef>
       <a:fontRef idx="minor">
-        <a:schemeClr val="lt1"/>
+        <a:schemeClr val="dk1"/>
       </a:fontRef>
     </dgm:style>
   </dgm:styleLbl>
   <dgm:styleLbl name="lnNode1">
     <dgm:scene3d>
       <a:camera prst="orthographicFront"/>
-      <a:lightRig rig="threePt" dir="t"/>
+      <a:lightRig rig="flat" dir="t"/>
     </dgm:scene3d>
-    <dgm:sp3d/>
+    <dgm:sp3d prstMaterial="dkEdge">
+      <a:bevelT w="8200" h="38100"/>
+    </dgm:sp3d>
     <dgm:txPr/>
     <dgm:style>
-      <a:lnRef idx="2">
+      <a:lnRef idx="1">
         <a:scrgbClr r="0" g="0" b="0"/>
       </a:lnRef>
-      <a:fillRef idx="1">
+      <a:fillRef idx="2">
         <a:scrgbClr r="0" g="0" b="0"/>
       </a:fillRef>
       <a:effectRef idx="0">
         <a:scrgbClr r="0" g="0" b="0"/>
       </a:effectRef>
       <a:fontRef idx="minor">
-        <a:schemeClr val="lt1"/>
+        <a:schemeClr val="dk1"/>
       </a:fontRef>
     </dgm:style>
   </dgm:styleLbl>
   <dgm:styleLbl name="vennNode1">
     <dgm:scene3d>
       <a:camera prst="orthographicFront"/>
-      <a:lightRig rig="threePt" dir="t"/>
+      <a:lightRig rig="flat" dir="t"/>
     </dgm:scene3d>
-    <dgm:sp3d/>
+    <dgm:sp3d prstMaterial="dkEdge">
+      <a:bevelT w="8200" h="38100"/>
+    </dgm:sp3d>
     <dgm:txPr/>
     <dgm:style>
-      <a:lnRef idx="2">
+      <a:lnRef idx="0">
         <a:scrgbClr r="0" g="0" b="0"/>
       </a:lnRef>
-      <a:fillRef idx="1">
+      <a:fillRef idx="2">
         <a:scrgbClr r="0" g="0" b="0"/>
       </a:fillRef>
       <a:effectRef idx="0">
@@ -19125,105 +19357,113 @@
     <dgm:sp3d/>
     <dgm:txPr/>
     <dgm:style>
-      <a:lnRef idx="2">
+      <a:lnRef idx="1">
         <a:scrgbClr r="0" g="0" b="0"/>
       </a:lnRef>
-      <a:fillRef idx="1">
+      <a:fillRef idx="2">
         <a:scrgbClr r="0" g="0" b="0"/>
       </a:fillRef>
-      <a:effectRef idx="0">
+      <a:effectRef idx="1">
         <a:scrgbClr r="0" g="0" b="0"/>
       </a:effectRef>
       <a:fontRef idx="minor">
-        <a:schemeClr val="lt1"/>
+        <a:schemeClr val="dk1"/>
       </a:fontRef>
     </dgm:style>
   </dgm:styleLbl>
   <dgm:styleLbl name="node1">
     <dgm:scene3d>
       <a:camera prst="orthographicFront"/>
-      <a:lightRig rig="threePt" dir="t"/>
+      <a:lightRig rig="flat" dir="t"/>
     </dgm:scene3d>
-    <dgm:sp3d/>
+    <dgm:sp3d prstMaterial="dkEdge">
+      <a:bevelT w="8200" h="38100"/>
+    </dgm:sp3d>
     <dgm:txPr/>
     <dgm:style>
-      <a:lnRef idx="2">
+      <a:lnRef idx="0">
         <a:scrgbClr r="0" g="0" b="0"/>
       </a:lnRef>
-      <a:fillRef idx="1">
+      <a:fillRef idx="2">
         <a:scrgbClr r="0" g="0" b="0"/>
       </a:fillRef>
-      <a:effectRef idx="0">
+      <a:effectRef idx="1">
         <a:scrgbClr r="0" g="0" b="0"/>
       </a:effectRef>
       <a:fontRef idx="minor">
-        <a:schemeClr val="lt1"/>
+        <a:schemeClr val="dk1"/>
       </a:fontRef>
     </dgm:style>
   </dgm:styleLbl>
   <dgm:styleLbl name="node2">
     <dgm:scene3d>
       <a:camera prst="orthographicFront"/>
-      <a:lightRig rig="threePt" dir="t"/>
+      <a:lightRig rig="flat" dir="t"/>
     </dgm:scene3d>
-    <dgm:sp3d/>
+    <dgm:sp3d prstMaterial="dkEdge">
+      <a:bevelT w="8200" h="38100"/>
+    </dgm:sp3d>
     <dgm:txPr/>
     <dgm:style>
-      <a:lnRef idx="2">
+      <a:lnRef idx="0">
         <a:scrgbClr r="0" g="0" b="0"/>
       </a:lnRef>
-      <a:fillRef idx="1">
+      <a:fillRef idx="2">
         <a:scrgbClr r="0" g="0" b="0"/>
       </a:fillRef>
-      <a:effectRef idx="0">
+      <a:effectRef idx="1">
         <a:scrgbClr r="0" g="0" b="0"/>
       </a:effectRef>
       <a:fontRef idx="minor">
-        <a:schemeClr val="lt1"/>
+        <a:schemeClr val="dk1"/>
       </a:fontRef>
     </dgm:style>
   </dgm:styleLbl>
   <dgm:styleLbl name="node3">
     <dgm:scene3d>
       <a:camera prst="orthographicFront"/>
-      <a:lightRig rig="threePt" dir="t"/>
+      <a:lightRig rig="flat" dir="t"/>
     </dgm:scene3d>
-    <dgm:sp3d/>
+    <dgm:sp3d prstMaterial="dkEdge">
+      <a:bevelT w="8200" h="38100"/>
+    </dgm:sp3d>
     <dgm:txPr/>
     <dgm:style>
-      <a:lnRef idx="2">
+      <a:lnRef idx="0">
         <a:scrgbClr r="0" g="0" b="0"/>
       </a:lnRef>
-      <a:fillRef idx="1">
+      <a:fillRef idx="2">
         <a:scrgbClr r="0" g="0" b="0"/>
       </a:fillRef>
-      <a:effectRef idx="0">
+      <a:effectRef idx="1">
         <a:scrgbClr r="0" g="0" b="0"/>
       </a:effectRef>
       <a:fontRef idx="minor">
-        <a:schemeClr val="lt1"/>
+        <a:schemeClr val="dk1"/>
       </a:fontRef>
     </dgm:style>
   </dgm:styleLbl>
   <dgm:styleLbl name="node4">
     <dgm:scene3d>
       <a:camera prst="orthographicFront"/>
-      <a:lightRig rig="threePt" dir="t"/>
+      <a:lightRig rig="flat" dir="t"/>
     </dgm:scene3d>
-    <dgm:sp3d/>
+    <dgm:sp3d prstMaterial="dkEdge">
+      <a:bevelT w="8200" h="38100"/>
+    </dgm:sp3d>
     <dgm:txPr/>
     <dgm:style>
-      <a:lnRef idx="2">
+      <a:lnRef idx="0">
         <a:scrgbClr r="0" g="0" b="0"/>
       </a:lnRef>
-      <a:fillRef idx="1">
+      <a:fillRef idx="2">
         <a:scrgbClr r="0" g="0" b="0"/>
       </a:fillRef>
-      <a:effectRef idx="0">
+      <a:effectRef idx="1">
         <a:scrgbClr r="0" g="0" b="0"/>
       </a:effectRef>
       <a:fontRef idx="minor">
-        <a:schemeClr val="lt1"/>
+        <a:schemeClr val="dk1"/>
       </a:fontRef>
     </dgm:style>
   </dgm:styleLbl>
@@ -19235,13 +19475,13 @@
     <dgm:sp3d/>
     <dgm:txPr/>
     <dgm:style>
-      <a:lnRef idx="2">
+      <a:lnRef idx="1">
         <a:scrgbClr r="0" g="0" b="0"/>
       </a:lnRef>
       <a:fillRef idx="1">
         <a:scrgbClr r="0" g="0" b="0"/>
       </a:fillRef>
-      <a:effectRef idx="0">
+      <a:effectRef idx="1">
         <a:scrgbClr r="0" g="0" b="0"/>
       </a:effectRef>
       <a:fontRef idx="minor"/>
@@ -19255,13 +19495,13 @@
     <dgm:sp3d/>
     <dgm:txPr/>
     <dgm:style>
-      <a:lnRef idx="2">
+      <a:lnRef idx="1">
         <a:scrgbClr r="0" g="0" b="0"/>
       </a:lnRef>
       <a:fillRef idx="1">
         <a:scrgbClr r="0" g="0" b="0"/>
       </a:fillRef>
-      <a:effectRef idx="0">
+      <a:effectRef idx="1">
         <a:scrgbClr r="0" g="0" b="0"/>
       </a:effectRef>
       <a:fontRef idx="minor"/>
@@ -19275,13 +19515,13 @@
     <dgm:sp3d/>
     <dgm:txPr/>
     <dgm:style>
-      <a:lnRef idx="2">
+      <a:lnRef idx="1">
         <a:scrgbClr r="0" g="0" b="0"/>
       </a:lnRef>
       <a:fillRef idx="1">
         <a:scrgbClr r="0" g="0" b="0"/>
       </a:fillRef>
-      <a:effectRef idx="0">
+      <a:effectRef idx="1">
         <a:scrgbClr r="0" g="0" b="0"/>
       </a:effectRef>
       <a:fontRef idx="minor"/>
@@ -19298,14 +19538,14 @@
       <a:lnRef idx="0">
         <a:scrgbClr r="0" g="0" b="0"/>
       </a:lnRef>
-      <a:fillRef idx="1">
+      <a:fillRef idx="2">
         <a:scrgbClr r="0" g="0" b="0"/>
       </a:fillRef>
-      <a:effectRef idx="0">
+      <a:effectRef idx="1">
         <a:scrgbClr r="0" g="0" b="0"/>
       </a:effectRef>
       <a:fontRef idx="minor">
-        <a:schemeClr val="lt1"/>
+        <a:schemeClr val="dk1"/>
       </a:fontRef>
     </dgm:style>
   </dgm:styleLbl>
@@ -19320,14 +19560,14 @@
       <a:lnRef idx="0">
         <a:scrgbClr r="0" g="0" b="0"/>
       </a:lnRef>
-      <a:fillRef idx="1">
+      <a:fillRef idx="2">
         <a:scrgbClr r="0" g="0" b="0"/>
       </a:fillRef>
-      <a:effectRef idx="0">
+      <a:effectRef idx="1">
         <a:scrgbClr r="0" g="0" b="0"/>
       </a:effectRef>
       <a:fontRef idx="minor">
-        <a:schemeClr val="lt1"/>
+        <a:schemeClr val="dk1"/>
       </a:fontRef>
     </dgm:style>
   </dgm:styleLbl>
@@ -19342,14 +19582,14 @@
       <a:lnRef idx="0">
         <a:scrgbClr r="0" g="0" b="0"/>
       </a:lnRef>
-      <a:fillRef idx="1">
+      <a:fillRef idx="2">
         <a:scrgbClr r="0" g="0" b="0"/>
       </a:fillRef>
-      <a:effectRef idx="0">
+      <a:effectRef idx="1">
         <a:scrgbClr r="0" g="0" b="0"/>
       </a:effectRef>
       <a:fontRef idx="minor">
-        <a:schemeClr val="lt1"/>
+        <a:schemeClr val="dk1"/>
       </a:fontRef>
     </dgm:style>
   </dgm:styleLbl>
@@ -19381,13 +19621,13 @@
     <dgm:sp3d/>
     <dgm:txPr/>
     <dgm:style>
-      <a:lnRef idx="2">
+      <a:lnRef idx="1">
         <a:scrgbClr r="0" g="0" b="0"/>
       </a:lnRef>
-      <a:fillRef idx="1">
+      <a:fillRef idx="2">
         <a:scrgbClr r="0" g="0" b="0"/>
       </a:fillRef>
-      <a:effectRef idx="0">
+      <a:effectRef idx="1">
         <a:scrgbClr r="0" g="0" b="0"/>
       </a:effectRef>
       <a:fontRef idx="minor"/>
@@ -19396,110 +19636,120 @@
   <dgm:styleLbl name="asst0">
     <dgm:scene3d>
       <a:camera prst="orthographicFront"/>
-      <a:lightRig rig="threePt" dir="t"/>
+      <a:lightRig rig="flat" dir="t"/>
     </dgm:scene3d>
-    <dgm:sp3d/>
+    <dgm:sp3d prstMaterial="dkEdge">
+      <a:bevelT w="8200" h="38100"/>
+    </dgm:sp3d>
     <dgm:txPr/>
     <dgm:style>
-      <a:lnRef idx="2">
+      <a:lnRef idx="0">
         <a:scrgbClr r="0" g="0" b="0"/>
       </a:lnRef>
-      <a:fillRef idx="1">
+      <a:fillRef idx="2">
         <a:scrgbClr r="0" g="0" b="0"/>
       </a:fillRef>
-      <a:effectRef idx="0">
+      <a:effectRef idx="1">
         <a:scrgbClr r="0" g="0" b="0"/>
       </a:effectRef>
       <a:fontRef idx="minor">
-        <a:schemeClr val="lt1"/>
+        <a:schemeClr val="dk1"/>
       </a:fontRef>
     </dgm:style>
   </dgm:styleLbl>
   <dgm:styleLbl name="asst1">
     <dgm:scene3d>
       <a:camera prst="orthographicFront"/>
-      <a:lightRig rig="threePt" dir="t"/>
+      <a:lightRig rig="flat" dir="t"/>
     </dgm:scene3d>
-    <dgm:sp3d/>
+    <dgm:sp3d prstMaterial="dkEdge">
+      <a:bevelT w="8200" h="38100"/>
+    </dgm:sp3d>
     <dgm:txPr/>
     <dgm:style>
-      <a:lnRef idx="2">
+      <a:lnRef idx="0">
         <a:scrgbClr r="0" g="0" b="0"/>
       </a:lnRef>
-      <a:fillRef idx="1">
+      <a:fillRef idx="2">
         <a:scrgbClr r="0" g="0" b="0"/>
       </a:fillRef>
-      <a:effectRef idx="0">
+      <a:effectRef idx="1">
         <a:scrgbClr r="0" g="0" b="0"/>
       </a:effectRef>
       <a:fontRef idx="minor">
-        <a:schemeClr val="lt1"/>
+        <a:schemeClr val="dk1"/>
       </a:fontRef>
     </dgm:style>
   </dgm:styleLbl>
   <dgm:styleLbl name="asst2">
     <dgm:scene3d>
       <a:camera prst="orthographicFront"/>
-      <a:lightRig rig="threePt" dir="t"/>
+      <a:lightRig rig="flat" dir="t"/>
     </dgm:scene3d>
-    <dgm:sp3d/>
+    <dgm:sp3d prstMaterial="dkEdge">
+      <a:bevelT w="8200" h="38100"/>
+    </dgm:sp3d>
     <dgm:txPr/>
     <dgm:style>
-      <a:lnRef idx="2">
+      <a:lnRef idx="0">
         <a:scrgbClr r="0" g="0" b="0"/>
       </a:lnRef>
-      <a:fillRef idx="1">
+      <a:fillRef idx="2">
         <a:scrgbClr r="0" g="0" b="0"/>
       </a:fillRef>
-      <a:effectRef idx="0">
+      <a:effectRef idx="1">
         <a:scrgbClr r="0" g="0" b="0"/>
       </a:effectRef>
       <a:fontRef idx="minor">
-        <a:schemeClr val="lt1"/>
+        <a:schemeClr val="dk1"/>
       </a:fontRef>
     </dgm:style>
   </dgm:styleLbl>
   <dgm:styleLbl name="asst3">
     <dgm:scene3d>
       <a:camera prst="orthographicFront"/>
-      <a:lightRig rig="threePt" dir="t"/>
+      <a:lightRig rig="flat" dir="t"/>
     </dgm:scene3d>
-    <dgm:sp3d/>
+    <dgm:sp3d prstMaterial="dkEdge">
+      <a:bevelT w="8200" h="38100"/>
+    </dgm:sp3d>
     <dgm:txPr/>
     <dgm:style>
-      <a:lnRef idx="2">
+      <a:lnRef idx="0">
         <a:scrgbClr r="0" g="0" b="0"/>
       </a:lnRef>
-      <a:fillRef idx="1">
+      <a:fillRef idx="2">
         <a:scrgbClr r="0" g="0" b="0"/>
       </a:fillRef>
-      <a:effectRef idx="0">
+      <a:effectRef idx="1">
         <a:scrgbClr r="0" g="0" b="0"/>
       </a:effectRef>
       <a:fontRef idx="minor">
-        <a:schemeClr val="lt1"/>
+        <a:schemeClr val="dk1"/>
       </a:fontRef>
     </dgm:style>
   </dgm:styleLbl>
   <dgm:styleLbl name="asst4">
     <dgm:scene3d>
       <a:camera prst="orthographicFront"/>
-      <a:lightRig rig="threePt" dir="t"/>
+      <a:lightRig rig="flat" dir="t"/>
     </dgm:scene3d>
-    <dgm:sp3d/>
+    <dgm:sp3d prstMaterial="dkEdge">
+      <a:bevelT w="8200" h="38100"/>
+    </dgm:sp3d>
     <dgm:txPr/>
     <dgm:style>
-      <a:lnRef idx="2">
+      <a:lnRef idx="0">
         <a:scrgbClr r="0" g="0" b="0"/>
       </a:lnRef>
-      <a:fillRef idx="1">
+      <a:fillRef idx="2">
         <a:scrgbClr r="0" g="0" b="0"/>
       </a:fillRef>
-      <a:effectRef idx="0">
+      <a:effectRef idx="1">
         <a:scrgbClr r="0" g="0" b="0"/>
       </a:effectRef>
       <a:fontRef idx="minor">
-        <a:schemeClr val="lt1"/>
+        <a:schemeClr val="dk1"/>
       </a:fontRef>
     </dgm:style>
   </dgm:styleLbl>
@@ -19511,17 +19761,17 @@
     <dgm:sp3d/>
     <dgm:txPr/>
     <dgm:style>
-      <a:lnRef idx="2">
+      <a:lnRef idx="1">
         <a:scrgbClr r="0" g="0" b="0"/>
       </a:lnRef>
-      <a:fillRef idx="1">
+      <a:fillRef idx="2">
         <a:scrgbClr r="0" g="0" b="0"/>
       </a:fillRef>
-      <a:effectRef idx="0">
+      <a:effectRef idx="1">
         <a:scrgbClr r="0" g="0" b="0"/>
       </a:effectRef>
       <a:fontRef idx="minor">
-        <a:schemeClr val="lt1"/>
+        <a:schemeClr val="dk1"/>
       </a:fontRef>
     </dgm:style>
   </dgm:styleLbl>
@@ -19533,17 +19783,17 @@
     <dgm:sp3d/>
     <dgm:txPr/>
     <dgm:style>
-      <a:lnRef idx="2">
+      <a:lnRef idx="1">
         <a:scrgbClr r="0" g="0" b="0"/>
       </a:lnRef>
-      <a:fillRef idx="1">
+      <a:fillRef idx="2">
         <a:scrgbClr r="0" g="0" b="0"/>
       </a:fillRef>
-      <a:effectRef idx="0">
+      <a:effectRef idx="1">
         <a:scrgbClr r="0" g="0" b="0"/>
       </a:effectRef>
       <a:fontRef idx="minor">
-        <a:schemeClr val="lt1"/>
+        <a:schemeClr val="dk1"/>
       </a:fontRef>
     </dgm:style>
   </dgm:styleLbl>
@@ -19555,17 +19805,17 @@
     <dgm:sp3d/>
     <dgm:txPr/>
     <dgm:style>
-      <a:lnRef idx="2">
+      <a:lnRef idx="1">
         <a:scrgbClr r="0" g="0" b="0"/>
       </a:lnRef>
-      <a:fillRef idx="1">
+      <a:fillRef idx="2">
         <a:scrgbClr r="0" g="0" b="0"/>
       </a:fillRef>
-      <a:effectRef idx="0">
+      <a:effectRef idx="1">
         <a:scrgbClr r="0" g="0" b="0"/>
       </a:effectRef>
       <a:fontRef idx="minor">
-        <a:schemeClr val="lt1"/>
+        <a:schemeClr val="dk1"/>
       </a:fontRef>
     </dgm:style>
   </dgm:styleLbl>
@@ -19577,17 +19827,17 @@
     <dgm:sp3d/>
     <dgm:txPr/>
     <dgm:style>
-      <a:lnRef idx="2">
+      <a:lnRef idx="1">
         <a:scrgbClr r="0" g="0" b="0"/>
       </a:lnRef>
-      <a:fillRef idx="1">
+      <a:fillRef idx="2">
         <a:scrgbClr r="0" g="0" b="0"/>
       </a:fillRef>
-      <a:effectRef idx="0">
+      <a:effectRef idx="1">
         <a:scrgbClr r="0" g="0" b="0"/>
       </a:effectRef>
       <a:fontRef idx="minor">
-        <a:schemeClr val="lt1"/>
+        <a:schemeClr val="dk1"/>
       </a:fontRef>
     </dgm:style>
   </dgm:styleLbl>
@@ -19679,7 +19929,7 @@
     <dgm:sp3d/>
     <dgm:txPr/>
     <dgm:style>
-      <a:lnRef idx="2">
+      <a:lnRef idx="1">
         <a:scrgbClr r="0" g="0" b="0"/>
       </a:lnRef>
       <a:fillRef idx="1">
@@ -19699,7 +19949,7 @@
     <dgm:sp3d/>
     <dgm:txPr/>
     <dgm:style>
-      <a:lnRef idx="2">
+      <a:lnRef idx="1">
         <a:scrgbClr r="0" g="0" b="0"/>
       </a:lnRef>
       <a:fillRef idx="1">
@@ -19719,7 +19969,7 @@
     <dgm:sp3d/>
     <dgm:txPr/>
     <dgm:style>
-      <a:lnRef idx="2">
+      <a:lnRef idx="1">
         <a:scrgbClr r="0" g="0" b="0"/>
       </a:lnRef>
       <a:fillRef idx="1">
@@ -19759,7 +20009,7 @@
     <dgm:sp3d/>
     <dgm:txPr/>
     <dgm:style>
-      <a:lnRef idx="2">
+      <a:lnRef idx="1">
         <a:scrgbClr r="0" g="0" b="0"/>
       </a:lnRef>
       <a:fillRef idx="1">
@@ -19779,10 +20029,10 @@
     <dgm:sp3d/>
     <dgm:txPr/>
     <dgm:style>
-      <a:lnRef idx="2">
+      <a:lnRef idx="1">
         <a:scrgbClr r="0" g="0" b="0"/>
       </a:lnRef>
-      <a:fillRef idx="1">
+      <a:fillRef idx="2">
         <a:scrgbClr r="0" g="0" b="0"/>
       </a:fillRef>
       <a:effectRef idx="0">
@@ -19799,7 +20049,7 @@
     <dgm:sp3d/>
     <dgm:txPr/>
     <dgm:style>
-      <a:lnRef idx="2">
+      <a:lnRef idx="1">
         <a:scrgbClr r="0" g="0" b="0"/>
       </a:lnRef>
       <a:fillRef idx="1">
@@ -19819,7 +20069,7 @@
     <dgm:sp3d/>
     <dgm:txPr/>
     <dgm:style>
-      <a:lnRef idx="2">
+      <a:lnRef idx="1">
         <a:scrgbClr r="0" g="0" b="0"/>
       </a:lnRef>
       <a:fillRef idx="1">
@@ -19839,7 +20089,7 @@
     <dgm:sp3d/>
     <dgm:txPr/>
     <dgm:style>
-      <a:lnRef idx="2">
+      <a:lnRef idx="1">
         <a:scrgbClr r="0" g="0" b="0"/>
       </a:lnRef>
       <a:fillRef idx="1">
@@ -19859,7 +20109,7 @@
     <dgm:sp3d/>
     <dgm:txPr/>
     <dgm:style>
-      <a:lnRef idx="2">
+      <a:lnRef idx="1">
         <a:scrgbClr r="0" g="0" b="0"/>
       </a:lnRef>
       <a:fillRef idx="1">
@@ -19879,7 +20129,7 @@
     <dgm:sp3d/>
     <dgm:txPr/>
     <dgm:style>
-      <a:lnRef idx="2">
+      <a:lnRef idx="1">
         <a:scrgbClr r="0" g="0" b="0"/>
       </a:lnRef>
       <a:fillRef idx="1">
@@ -19899,7 +20149,7 @@
     <dgm:sp3d/>
     <dgm:txPr/>
     <dgm:style>
-      <a:lnRef idx="2">
+      <a:lnRef idx="1">
         <a:scrgbClr r="0" g="0" b="0"/>
       </a:lnRef>
       <a:fillRef idx="1">
@@ -19919,7 +20169,7 @@
     <dgm:sp3d/>
     <dgm:txPr/>
     <dgm:style>
-      <a:lnRef idx="2">
+      <a:lnRef idx="1">
         <a:scrgbClr r="0" g="0" b="0"/>
       </a:lnRef>
       <a:fillRef idx="1">
@@ -19939,7 +20189,7 @@
     <dgm:sp3d/>
     <dgm:txPr/>
     <dgm:style>
-      <a:lnRef idx="2">
+      <a:lnRef idx="1">
         <a:scrgbClr r="0" g="0" b="0"/>
       </a:lnRef>
       <a:fillRef idx="1">
@@ -19959,7 +20209,7 @@
     <dgm:sp3d/>
     <dgm:txPr/>
     <dgm:style>
-      <a:lnRef idx="2">
+      <a:lnRef idx="1">
         <a:scrgbClr r="0" g="0" b="0"/>
       </a:lnRef>
       <a:fillRef idx="1">
@@ -19985,7 +20235,7 @@
       <a:fillRef idx="1">
         <a:scrgbClr r="0" g="0" b="0"/>
       </a:fillRef>
-      <a:effectRef idx="0">
+      <a:effectRef idx="1">
         <a:scrgbClr r="0" g="0" b="0"/>
       </a:effectRef>
       <a:fontRef idx="minor"/>
@@ -20005,7 +20255,7 @@
       <a:fillRef idx="1">
         <a:scrgbClr r="0" g="0" b="0"/>
       </a:fillRef>
-      <a:effectRef idx="0">
+      <a:effectRef idx="1">
         <a:scrgbClr r="0" g="0" b="0"/>
       </a:effectRef>
       <a:fontRef idx="minor"/>
@@ -20034,18 +20284,20 @@
   <dgm:styleLbl name="fgShp">
     <dgm:scene3d>
       <a:camera prst="orthographicFront"/>
-      <a:lightRig rig="threePt" dir="t"/>
+      <a:lightRig rig="flat" dir="t"/>
     </dgm:scene3d>
-    <dgm:sp3d/>
+    <dgm:sp3d prstMaterial="dkEdge">
+      <a:bevelT w="8200" h="38100"/>
+    </dgm:sp3d>
     <dgm:txPr/>
     <dgm:style>
-      <a:lnRef idx="2">
+      <a:lnRef idx="1">
         <a:scrgbClr r="0" g="0" b="0"/>
       </a:lnRef>
-      <a:fillRef idx="1">
+      <a:fillRef idx="2">
         <a:scrgbClr r="0" g="0" b="0"/>
       </a:fillRef>
-      <a:effectRef idx="0">
+      <a:effectRef idx="1">
         <a:scrgbClr r="0" g="0" b="0"/>
       </a:effectRef>
       <a:fontRef idx="minor"/>
@@ -21190,7 +21442,7 @@
           <a:p>
             <a:fld id="{7198671B-E886-41B5-88FD-1F90E8664B4F}" type="datetimeFigureOut">
               <a:rPr lang="en-US"/>
-              <a:t>5/12/2016</a:t>
+              <a:t>5/31/2016</a:t>
             </a:fld>
             <a:endParaRPr lang="en-US"/>
           </a:p>
@@ -22370,7 +22622,7 @@
           <a:p>
             <a:fld id="{46861874-752C-43D3-89E7-1582196B6490}" type="datetimeFigureOut">
               <a:rPr lang="en-US" smtClean="0"/>
-              <a:t>5/12/2016</a:t>
+              <a:t>5/31/2016</a:t>
             </a:fld>
             <a:endParaRPr lang="en-US"/>
           </a:p>
@@ -22621,7 +22873,7 @@
           <a:p>
             <a:fld id="{46861874-752C-43D3-89E7-1582196B6490}" type="datetimeFigureOut">
               <a:rPr lang="en-US" smtClean="0"/>
-              <a:t>5/12/2016</a:t>
+              <a:t>5/31/2016</a:t>
             </a:fld>
             <a:endParaRPr lang="en-US"/>
           </a:p>
@@ -22935,7 +23187,7 @@
           <a:p>
             <a:fld id="{46861874-752C-43D3-89E7-1582196B6490}" type="datetimeFigureOut">
               <a:rPr lang="en-US" smtClean="0"/>
-              <a:t>5/12/2016</a:t>
+              <a:t>5/31/2016</a:t>
             </a:fld>
             <a:endParaRPr lang="en-US"/>
           </a:p>
@@ -23268,7 +23520,7 @@
           <a:p>
             <a:fld id="{46861874-752C-43D3-89E7-1582196B6490}" type="datetimeFigureOut">
               <a:rPr lang="en-US" smtClean="0"/>
-              <a:t>5/12/2016</a:t>
+              <a:t>5/31/2016</a:t>
             </a:fld>
             <a:endParaRPr lang="en-US"/>
           </a:p>
@@ -23582,7 +23834,7 @@
           <a:p>
             <a:fld id="{46861874-752C-43D3-89E7-1582196B6490}" type="datetimeFigureOut">
               <a:rPr lang="en-US" smtClean="0"/>
-              <a:t>5/12/2016</a:t>
+              <a:t>5/31/2016</a:t>
             </a:fld>
             <a:endParaRPr lang="en-US"/>
           </a:p>
@@ -23975,7 +24227,7 @@
           <a:p>
             <a:fld id="{46861874-752C-43D3-89E7-1582196B6490}" type="datetimeFigureOut">
               <a:rPr lang="en-US" smtClean="0"/>
-              <a:t>5/12/2016</a:t>
+              <a:t>5/31/2016</a:t>
             </a:fld>
             <a:endParaRPr lang="en-US"/>
           </a:p>
@@ -24145,7 +24397,7 @@
           <a:p>
             <a:fld id="{46861874-752C-43D3-89E7-1582196B6490}" type="datetimeFigureOut">
               <a:rPr lang="en-US" smtClean="0"/>
-              <a:t>5/12/2016</a:t>
+              <a:t>5/31/2016</a:t>
             </a:fld>
             <a:endParaRPr lang="en-US"/>
           </a:p>
@@ -24325,7 +24577,7 @@
           <a:p>
             <a:fld id="{46861874-752C-43D3-89E7-1582196B6490}" type="datetimeFigureOut">
               <a:rPr lang="en-US" smtClean="0"/>
-              <a:t>5/12/2016</a:t>
+              <a:t>5/31/2016</a:t>
             </a:fld>
             <a:endParaRPr lang="en-US"/>
           </a:p>
@@ -24495,7 +24747,7 @@
           <a:p>
             <a:fld id="{46861874-752C-43D3-89E7-1582196B6490}" type="datetimeFigureOut">
               <a:rPr lang="en-US" smtClean="0"/>
-              <a:t>5/12/2016</a:t>
+              <a:t>5/31/2016</a:t>
             </a:fld>
             <a:endParaRPr lang="en-US"/>
           </a:p>
@@ -24742,7 +24994,7 @@
           <a:p>
             <a:fld id="{46861874-752C-43D3-89E7-1582196B6490}" type="datetimeFigureOut">
               <a:rPr lang="en-US" smtClean="0"/>
-              <a:t>5/12/2016</a:t>
+              <a:t>5/31/2016</a:t>
             </a:fld>
             <a:endParaRPr lang="en-US"/>
           </a:p>
@@ -24974,7 +25226,7 @@
           <a:p>
             <a:fld id="{46861874-752C-43D3-89E7-1582196B6490}" type="datetimeFigureOut">
               <a:rPr lang="en-US" smtClean="0"/>
-              <a:t>5/12/2016</a:t>
+              <a:t>5/31/2016</a:t>
             </a:fld>
             <a:endParaRPr lang="en-US"/>
           </a:p>
@@ -25348,7 +25600,7 @@
           <a:p>
             <a:fld id="{46861874-752C-43D3-89E7-1582196B6490}" type="datetimeFigureOut">
               <a:rPr lang="en-US" smtClean="0"/>
-              <a:t>5/12/2016</a:t>
+              <a:t>5/31/2016</a:t>
             </a:fld>
             <a:endParaRPr lang="en-US"/>
           </a:p>
@@ -25471,7 +25723,7 @@
           <a:p>
             <a:fld id="{46861874-752C-43D3-89E7-1582196B6490}" type="datetimeFigureOut">
               <a:rPr lang="en-US" smtClean="0"/>
-              <a:t>5/12/2016</a:t>
+              <a:t>5/31/2016</a:t>
             </a:fld>
             <a:endParaRPr lang="en-US"/>
           </a:p>
@@ -25566,7 +25818,7 @@
           <a:p>
             <a:fld id="{46861874-752C-43D3-89E7-1582196B6490}" type="datetimeFigureOut">
               <a:rPr lang="en-US" smtClean="0"/>
-              <a:t>5/12/2016</a:t>
+              <a:t>5/31/2016</a:t>
             </a:fld>
             <a:endParaRPr lang="en-US"/>
           </a:p>
@@ -25821,7 +26073,7 @@
           <a:p>
             <a:fld id="{46861874-752C-43D3-89E7-1582196B6490}" type="datetimeFigureOut">
               <a:rPr lang="en-US" smtClean="0"/>
-              <a:t>5/12/2016</a:t>
+              <a:t>5/31/2016</a:t>
             </a:fld>
             <a:endParaRPr lang="en-US"/>
           </a:p>
@@ -26126,7 +26378,7 @@
           <a:p>
             <a:fld id="{46861874-752C-43D3-89E7-1582196B6490}" type="datetimeFigureOut">
               <a:rPr lang="en-US" smtClean="0"/>
-              <a:t>5/12/2016</a:t>
+              <a:t>5/31/2016</a:t>
             </a:fld>
             <a:endParaRPr lang="en-US"/>
           </a:p>
@@ -26828,7 +27080,7 @@
           <a:p>
             <a:fld id="{46861874-752C-43D3-89E7-1582196B6490}" type="datetimeFigureOut">
               <a:rPr lang="en-US" smtClean="0"/>
-              <a:t>5/12/2016</a:t>
+              <a:t>5/31/2016</a:t>
             </a:fld>
             <a:endParaRPr lang="en-US"/>
           </a:p>
@@ -27390,19 +27642,11 @@
             </a:r>
             <a:r>
               <a:rPr lang="id-ID" sz="3200" b="1" dirty="0" smtClean="0"/>
-              <a:t>(</a:t>
-            </a:r>
-            <a:r>
-              <a:rPr lang="id-ID" sz="3200" b="1" dirty="0" smtClean="0"/>
-              <a:t>12</a:t>
+              <a:t>(12</a:t>
             </a:r>
             <a:r>
               <a:rPr lang="en-US" sz="3200" b="1" dirty="0" smtClean="0"/>
-              <a:t> </a:t>
-            </a:r>
-            <a:r>
-              <a:rPr lang="en-US" sz="3200" b="1" dirty="0" smtClean="0"/>
-              <a:t>Mei 2016</a:t>
+              <a:t> Mei 2016</a:t>
             </a:r>
             <a:r>
               <a:rPr lang="id-ID" sz="3200" b="1" dirty="0" smtClean="0"/>
@@ -27526,11 +27770,11 @@
   <p:clrMapOvr>
     <a:masterClrMapping/>
   </p:clrMapOvr>
-  <mc:AlternateContent xmlns:mc="http://schemas.openxmlformats.org/markup-compatibility/2006">
-    <mc:Choice xmlns:p14="http://schemas.microsoft.com/office/powerpoint/2010/main" Requires="p14">
+  <mc:AlternateContent xmlns:mc="http://schemas.openxmlformats.org/markup-compatibility/2006" xmlns:p14="http://schemas.microsoft.com/office/powerpoint/2010/main">
+    <mc:Choice Requires="p14">
       <p:transition spd="slow" p14:dur="2000"/>
     </mc:Choice>
-    <mc:Fallback>
+    <mc:Fallback xmlns="">
       <p:transition spd="slow"/>
     </mc:Fallback>
   </mc:AlternateContent>
@@ -27677,11 +27921,11 @@
   <p:clrMapOvr>
     <a:masterClrMapping/>
   </p:clrMapOvr>
-  <mc:AlternateContent xmlns:mc="http://schemas.openxmlformats.org/markup-compatibility/2006">
-    <mc:Choice xmlns:p14="http://schemas.microsoft.com/office/powerpoint/2010/main" Requires="p14">
+  <mc:AlternateContent xmlns:mc="http://schemas.openxmlformats.org/markup-compatibility/2006" xmlns:p14="http://schemas.microsoft.com/office/powerpoint/2010/main">
+    <mc:Choice Requires="p14">
       <p:transition spd="slow" p14:dur="2000"/>
     </mc:Choice>
-    <mc:Fallback>
+    <mc:Fallback xmlns="">
       <p:transition spd="slow"/>
     </mc:Fallback>
   </mc:AlternateContent>
@@ -27802,11 +28046,11 @@
   <p:clrMapOvr>
     <a:masterClrMapping/>
   </p:clrMapOvr>
-  <mc:AlternateContent xmlns:mc="http://schemas.openxmlformats.org/markup-compatibility/2006">
-    <mc:Choice xmlns:p14="http://schemas.microsoft.com/office/powerpoint/2010/main" Requires="p14">
+  <mc:AlternateContent xmlns:mc="http://schemas.openxmlformats.org/markup-compatibility/2006" xmlns:p14="http://schemas.microsoft.com/office/powerpoint/2010/main">
+    <mc:Choice Requires="p14">
       <p:transition spd="slow" p14:dur="2000"/>
     </mc:Choice>
-    <mc:Fallback>
+    <mc:Fallback xmlns="">
       <p:transition spd="slow"/>
     </mc:Fallback>
   </mc:AlternateContent>
@@ -27951,11 +28195,11 @@
   <p:clrMapOvr>
     <a:masterClrMapping/>
   </p:clrMapOvr>
-  <mc:AlternateContent xmlns:mc="http://schemas.openxmlformats.org/markup-compatibility/2006">
-    <mc:Choice xmlns:p14="http://schemas.microsoft.com/office/powerpoint/2010/main" Requires="p14">
+  <mc:AlternateContent xmlns:mc="http://schemas.openxmlformats.org/markup-compatibility/2006" xmlns:p14="http://schemas.microsoft.com/office/powerpoint/2010/main">
+    <mc:Choice Requires="p14">
       <p:transition spd="slow" p14:dur="2000"/>
     </mc:Choice>
-    <mc:Fallback>
+    <mc:Fallback xmlns="">
       <p:transition spd="slow"/>
     </mc:Fallback>
   </mc:AlternateContent>
@@ -28138,11 +28382,11 @@
   <p:clrMapOvr>
     <a:masterClrMapping/>
   </p:clrMapOvr>
-  <mc:AlternateContent xmlns:mc="http://schemas.openxmlformats.org/markup-compatibility/2006">
-    <mc:Choice xmlns:p14="http://schemas.microsoft.com/office/powerpoint/2010/main" Requires="p14">
+  <mc:AlternateContent xmlns:mc="http://schemas.openxmlformats.org/markup-compatibility/2006" xmlns:p14="http://schemas.microsoft.com/office/powerpoint/2010/main">
+    <mc:Choice Requires="p14">
       <p:transition spd="slow" p14:dur="2000"/>
     </mc:Choice>
-    <mc:Fallback>
+    <mc:Fallback xmlns="">
       <p:transition spd="slow"/>
     </mc:Fallback>
   </mc:AlternateContent>
@@ -28287,11 +28531,11 @@
   <p:clrMapOvr>
     <a:masterClrMapping/>
   </p:clrMapOvr>
-  <mc:AlternateContent xmlns:mc="http://schemas.openxmlformats.org/markup-compatibility/2006">
-    <mc:Choice xmlns:p14="http://schemas.microsoft.com/office/powerpoint/2010/main" Requires="p14">
+  <mc:AlternateContent xmlns:mc="http://schemas.openxmlformats.org/markup-compatibility/2006" xmlns:p14="http://schemas.microsoft.com/office/powerpoint/2010/main">
+    <mc:Choice Requires="p14">
       <p:transition spd="slow" p14:dur="2000"/>
     </mc:Choice>
-    <mc:Fallback>
+    <mc:Fallback xmlns="">
       <p:transition spd="slow"/>
     </mc:Fallback>
   </mc:AlternateContent>
@@ -28474,11 +28718,11 @@
   <p:clrMapOvr>
     <a:masterClrMapping/>
   </p:clrMapOvr>
-  <mc:AlternateContent xmlns:mc="http://schemas.openxmlformats.org/markup-compatibility/2006">
-    <mc:Choice xmlns:p14="http://schemas.microsoft.com/office/powerpoint/2010/main" Requires="p14">
+  <mc:AlternateContent xmlns:mc="http://schemas.openxmlformats.org/markup-compatibility/2006" xmlns:p14="http://schemas.microsoft.com/office/powerpoint/2010/main">
+    <mc:Choice Requires="p14">
       <p:transition spd="slow" p14:dur="2000"/>
     </mc:Choice>
-    <mc:Fallback>
+    <mc:Fallback xmlns="">
       <p:transition spd="slow"/>
     </mc:Fallback>
   </mc:AlternateContent>
@@ -28611,11 +28855,11 @@
   <p:clrMapOvr>
     <a:masterClrMapping/>
   </p:clrMapOvr>
-  <mc:AlternateContent xmlns:mc="http://schemas.openxmlformats.org/markup-compatibility/2006">
-    <mc:Choice xmlns:p14="http://schemas.microsoft.com/office/powerpoint/2010/main" Requires="p14">
+  <mc:AlternateContent xmlns:mc="http://schemas.openxmlformats.org/markup-compatibility/2006" xmlns:p14="http://schemas.microsoft.com/office/powerpoint/2010/main">
+    <mc:Choice Requires="p14">
       <p:transition spd="slow" p14:dur="2000"/>
     </mc:Choice>
-    <mc:Fallback>
+    <mc:Fallback xmlns="">
       <p:transition spd="slow"/>
     </mc:Fallback>
   </mc:AlternateContent>
@@ -28803,11 +29047,11 @@
   <p:clrMapOvr>
     <a:masterClrMapping/>
   </p:clrMapOvr>
-  <mc:AlternateContent xmlns:mc="http://schemas.openxmlformats.org/markup-compatibility/2006">
-    <mc:Choice xmlns:p14="http://schemas.microsoft.com/office/powerpoint/2010/main" Requires="p14">
+  <mc:AlternateContent xmlns:mc="http://schemas.openxmlformats.org/markup-compatibility/2006" xmlns:p14="http://schemas.microsoft.com/office/powerpoint/2010/main">
+    <mc:Choice Requires="p14">
       <p:transition spd="slow" p14:dur="2000"/>
     </mc:Choice>
-    <mc:Fallback>
+    <mc:Fallback xmlns="">
       <p:transition spd="slow"/>
     </mc:Fallback>
   </mc:AlternateContent>
@@ -29087,11 +29331,11 @@
   <p:clrMapOvr>
     <a:masterClrMapping/>
   </p:clrMapOvr>
-  <mc:AlternateContent xmlns:mc="http://schemas.openxmlformats.org/markup-compatibility/2006">
-    <mc:Choice xmlns:p14="http://schemas.microsoft.com/office/powerpoint/2010/main" Requires="p14">
+  <mc:AlternateContent xmlns:mc="http://schemas.openxmlformats.org/markup-compatibility/2006" xmlns:p14="http://schemas.microsoft.com/office/powerpoint/2010/main">
+    <mc:Choice Requires="p14">
       <p:transition spd="slow" p14:dur="2000"/>
     </mc:Choice>
-    <mc:Fallback>
+    <mc:Fallback xmlns="">
       <p:transition spd="slow"/>
     </mc:Fallback>
   </mc:AlternateContent>
@@ -31003,7 +31247,7 @@
         </p:blipFill>
         <p:spPr>
           <a:xfrm>
-            <a:off x="6744797" y="1513589"/>
+            <a:off x="5806647" y="1459023"/>
             <a:ext cx="4570904" cy="3125524"/>
           </a:xfrm>
           <a:prstGeom prst="rect">
@@ -31049,11 +31293,11 @@
   <p:clrMapOvr>
     <a:masterClrMapping/>
   </p:clrMapOvr>
-  <mc:AlternateContent xmlns:mc="http://schemas.openxmlformats.org/markup-compatibility/2006">
-    <mc:Choice xmlns:p14="http://schemas.microsoft.com/office/powerpoint/2010/main" Requires="p14">
+  <mc:AlternateContent xmlns:mc="http://schemas.openxmlformats.org/markup-compatibility/2006" xmlns:p14="http://schemas.microsoft.com/office/powerpoint/2010/main">
+    <mc:Choice Requires="p14">
       <p:transition spd="slow" p14:dur="2000"/>
     </mc:Choice>
-    <mc:Fallback>
+    <mc:Fallback xmlns="">
       <p:transition spd="slow"/>
     </mc:Fallback>
   </mc:AlternateContent>
@@ -33128,11 +33372,11 @@
   <p:clrMapOvr>
     <a:masterClrMapping/>
   </p:clrMapOvr>
-  <mc:AlternateContent xmlns:mc="http://schemas.openxmlformats.org/markup-compatibility/2006">
-    <mc:Choice xmlns:p14="http://schemas.microsoft.com/office/powerpoint/2010/main" Requires="p14">
+  <mc:AlternateContent xmlns:mc="http://schemas.openxmlformats.org/markup-compatibility/2006" xmlns:p14="http://schemas.microsoft.com/office/powerpoint/2010/main">
+    <mc:Choice Requires="p14">
       <p:transition spd="slow" p14:dur="2000"/>
     </mc:Choice>
-    <mc:Fallback>
+    <mc:Fallback xmlns="">
       <p:transition spd="slow"/>
     </mc:Fallback>
   </mc:AlternateContent>
@@ -33196,7 +33440,7 @@
             <p:ph idx="1"/>
             <p:extLst>
               <p:ext uri="{D42A27DB-BD31-4B8C-83A1-F6EECF244321}">
-                <p14:modId xmlns:p14="http://schemas.microsoft.com/office/powerpoint/2010/main" val="26032451"/>
+                <p14:modId xmlns:p14="http://schemas.microsoft.com/office/powerpoint/2010/main" val="3208038196"/>
               </p:ext>
             </p:extLst>
           </p:nvPr>
@@ -33450,11 +33694,11 @@
   <p:clrMapOvr>
     <a:masterClrMapping/>
   </p:clrMapOvr>
-  <mc:AlternateContent xmlns:mc="http://schemas.openxmlformats.org/markup-compatibility/2006">
-    <mc:Choice xmlns:p14="http://schemas.microsoft.com/office/powerpoint/2010/main" Requires="p14">
+  <mc:AlternateContent xmlns:mc="http://schemas.openxmlformats.org/markup-compatibility/2006" xmlns:p14="http://schemas.microsoft.com/office/powerpoint/2010/main">
+    <mc:Choice Requires="p14">
       <p:transition spd="slow" p14:dur="2000"/>
     </mc:Choice>
-    <mc:Fallback>
+    <mc:Fallback xmlns="">
       <p:transition spd="slow"/>
     </mc:Fallback>
   </mc:AlternateContent>
@@ -33547,11 +33791,11 @@
   <p:clrMapOvr>
     <a:masterClrMapping/>
   </p:clrMapOvr>
-  <mc:AlternateContent xmlns:mc="http://schemas.openxmlformats.org/markup-compatibility/2006">
-    <mc:Choice xmlns:p14="http://schemas.microsoft.com/office/powerpoint/2010/main" Requires="p14">
+  <mc:AlternateContent xmlns:mc="http://schemas.openxmlformats.org/markup-compatibility/2006" xmlns:p14="http://schemas.microsoft.com/office/powerpoint/2010/main">
+    <mc:Choice Requires="p14">
       <p:transition spd="slow" p14:dur="2000"/>
     </mc:Choice>
-    <mc:Fallback>
+    <mc:Fallback xmlns="">
       <p:transition spd="slow"/>
     </mc:Fallback>
   </mc:AlternateContent>
@@ -33651,11 +33895,11 @@
   <p:clrMapOvr>
     <a:masterClrMapping/>
   </p:clrMapOvr>
-  <mc:AlternateContent xmlns:mc="http://schemas.openxmlformats.org/markup-compatibility/2006">
-    <mc:Choice xmlns:p14="http://schemas.microsoft.com/office/powerpoint/2010/main" Requires="p14">
+  <mc:AlternateContent xmlns:mc="http://schemas.openxmlformats.org/markup-compatibility/2006" xmlns:p14="http://schemas.microsoft.com/office/powerpoint/2010/main">
+    <mc:Choice Requires="p14">
       <p:transition spd="slow" p14:dur="2000"/>
     </mc:Choice>
-    <mc:Fallback>
+    <mc:Fallback xmlns="">
       <p:transition spd="slow"/>
     </mc:Fallback>
   </mc:AlternateContent>
@@ -33741,7 +33985,7 @@
           <p:nvPr>
             <p:extLst>
               <p:ext uri="{D42A27DB-BD31-4B8C-83A1-F6EECF244321}">
-                <p14:modId xmlns:p14="http://schemas.microsoft.com/office/powerpoint/2010/main" val="4009760810"/>
+                <p14:modId xmlns:p14="http://schemas.microsoft.com/office/powerpoint/2010/main" val="3671639817"/>
               </p:ext>
             </p:extLst>
           </p:nvPr>
@@ -33810,11 +34054,7 @@
           <a:p>
             <a:r>
               <a:rPr lang="id-ID" dirty="0" smtClean="0"/>
-              <a:t>Class </a:t>
-            </a:r>
-            <a:r>
-              <a:rPr lang="id-ID" dirty="0" smtClean="0"/>
-              <a:t>Ekstraktor</a:t>
+              <a:t>Class Ekstraktor</a:t>
             </a:r>
             <a:endParaRPr lang="id-ID" dirty="0"/>
           </a:p>
@@ -33842,13 +34082,8 @@
           <a:p>
             <a:r>
               <a:rPr lang="id-ID" dirty="0" smtClean="0"/>
-              <a:t>Digunakan untuk </a:t>
+              <a:t>Digunakan untuk mengekstraksi dataset microarray agar sesuai dengan struktur data model</a:t>
             </a:r>
-            <a:r>
-              <a:rPr lang="id-ID" dirty="0" smtClean="0"/>
-              <a:t>mengekstraksi dataset microarray agar sesuai dengan struktur data model</a:t>
-            </a:r>
-            <a:endParaRPr lang="id-ID" dirty="0" smtClean="0"/>
           </a:p>
           <a:p>
             <a:endParaRPr lang="id-ID" dirty="0"/>
@@ -33862,7 +34097,7 @@
           <p:nvPr>
             <p:extLst>
               <p:ext uri="{D42A27DB-BD31-4B8C-83A1-F6EECF244321}">
-                <p14:modId xmlns:p14="http://schemas.microsoft.com/office/powerpoint/2010/main" val="3293954299"/>
+                <p14:modId xmlns:p14="http://schemas.microsoft.com/office/powerpoint/2010/main" val="3282338259"/>
               </p:ext>
             </p:extLst>
           </p:nvPr>
@@ -33937,11 +34172,7 @@
             </a:r>
             <a:r>
               <a:rPr lang="en-US" dirty="0" smtClean="0"/>
-              <a:t> </a:t>
-            </a:r>
-            <a:r>
-              <a:rPr lang="en-US" dirty="0" smtClean="0"/>
-              <a:t>Klasifikasi (supervised) Dengan </a:t>
+              <a:t> Klasifikasi (supervised) Dengan </a:t>
             </a:r>
             <a:r>
               <a:rPr lang="en-US" dirty="0" err="1" smtClean="0"/>
@@ -33961,11 +34192,7 @@
             </a:r>
             <a:r>
               <a:rPr lang="en-US" dirty="0" smtClean="0"/>
-              <a:t> </a:t>
-            </a:r>
-            <a:r>
-              <a:rPr lang="en-US" dirty="0" smtClean="0"/>
-              <a:t>Fitur yang </a:t>
+              <a:t> Fitur yang </a:t>
             </a:r>
             <a:r>
               <a:rPr lang="en-US" dirty="0" err="1" smtClean="0"/>
@@ -34009,13 +34236,13 @@
           <p:nvPr>
             <p:extLst>
               <p:ext uri="{D42A27DB-BD31-4B8C-83A1-F6EECF244321}">
-                <p14:modId xmlns:p14="http://schemas.microsoft.com/office/powerpoint/2010/main" val="3515272667"/>
+                <p14:modId xmlns:p14="http://schemas.microsoft.com/office/powerpoint/2010/main" val="3689463460"/>
               </p:ext>
             </p:extLst>
           </p:nvPr>
         </p:nvGraphicFramePr>
         <p:xfrm>
-          <a:off x="1267854" y="1801493"/>
+          <a:off x="1624114" y="1801493"/>
           <a:ext cx="7408214" cy="4792492"/>
         </p:xfrm>
         <a:graphic>
@@ -36442,11 +36669,11 @@
   <p:clrMapOvr>
     <a:masterClrMapping/>
   </p:clrMapOvr>
-  <mc:AlternateContent xmlns:mc="http://schemas.openxmlformats.org/markup-compatibility/2006">
-    <mc:Choice xmlns:p14="http://schemas.microsoft.com/office/powerpoint/2010/main" Requires="p14">
+  <mc:AlternateContent xmlns:mc="http://schemas.openxmlformats.org/markup-compatibility/2006" xmlns:p14="http://schemas.microsoft.com/office/powerpoint/2010/main">
+    <mc:Choice Requires="p14">
       <p:transition spd="slow" p14:dur="2000"/>
     </mc:Choice>
-    <mc:Fallback>
+    <mc:Fallback xmlns="">
       <p:transition spd="slow"/>
     </mc:Fallback>
   </mc:AlternateContent>
@@ -36711,7 +36938,7 @@
   <a:extraClrSchemeLst/>
   <a:extLst>
     <a:ext uri="{05A4C25C-085E-4340-85A3-A5531E510DB2}">
-      <thm15:themeFamily xmlns:thm15="http://schemas.microsoft.com/office/thememl/2012/main" xmlns="" name="Facet" id="{C0C680CD-088A-49FC-A102-D699147F32B2}" vid="{0B5AB586-D108-4FC1-8368-649FE654B894}"/>
+      <thm15:themeFamily xmlns="" xmlns:thm15="http://schemas.microsoft.com/office/thememl/2012/main" name="Facet" id="{C0C680CD-088A-49FC-A102-D699147F32B2}" vid="{0B5AB586-D108-4FC1-8368-649FE654B894}"/>
     </a:ext>
   </a:extLst>
 </a:theme>
@@ -37006,7 +37233,7 @@
   <a:extraClrSchemeLst/>
   <a:extLst>
     <a:ext uri="{05A4C25C-085E-4340-85A3-A5531E510DB2}">
-      <thm15:themeFamily xmlns:thm15="http://schemas.microsoft.com/office/thememl/2012/main" xmlns="" name="Office Theme" id="{62F939B6-93AF-4DB8-9C6B-D6C7DFDC589F}" vid="{4A3C46E8-61CC-4603-A589-7422A47A8E4A}"/>
+      <thm15:themeFamily xmlns="" xmlns:thm15="http://schemas.microsoft.com/office/thememl/2012/main" name="Office Theme" id="{62F939B6-93AF-4DB8-9C6B-D6C7DFDC589F}" vid="{4A3C46E8-61CC-4603-A589-7422A47A8E4A}"/>
     </a:ext>
   </a:extLst>
 </a:theme>
